--- a/Numpy-Python.pptx
+++ b/Numpy-Python.pptx
@@ -5,7 +5,7 @@
     <p:sldMasterId id="2147483659" r:id="rId1"/>
   </p:sldMasterIdLst>
   <p:notesMasterIdLst>
-    <p:notesMasterId r:id="rId7"/>
+    <p:notesMasterId r:id="rId10"/>
   </p:notesMasterIdLst>
   <p:sldIdLst>
     <p:sldId id="256" r:id="rId2"/>
@@ -13,16 +13,26 @@
     <p:sldId id="348" r:id="rId4"/>
     <p:sldId id="349" r:id="rId5"/>
     <p:sldId id="350" r:id="rId6"/>
+    <p:sldId id="351" r:id="rId7"/>
+    <p:sldId id="352" r:id="rId8"/>
+    <p:sldId id="353" r:id="rId9"/>
   </p:sldIdLst>
   <p:sldSz cx="9144000" cy="5143500" type="screen16x9"/>
   <p:notesSz cx="6858000" cy="9144000"/>
   <p:embeddedFontLst>
     <p:embeddedFont>
-      <p:font typeface="Roboto" charset="0"/>
-      <p:regular r:id="rId8"/>
-      <p:bold r:id="rId9"/>
-      <p:italic r:id="rId10"/>
-      <p:boldItalic r:id="rId11"/>
+      <p:font typeface="Roboto" panose="020B0604020202020204" charset="0"/>
+      <p:regular r:id="rId11"/>
+      <p:bold r:id="rId12"/>
+      <p:italic r:id="rId13"/>
+      <p:boldItalic r:id="rId14"/>
+    </p:embeddedFont>
+    <p:embeddedFont>
+      <p:font typeface="Consolas" panose="020B0609020204030204" pitchFamily="49" charset="0"/>
+      <p:regular r:id="rId15"/>
+      <p:bold r:id="rId16"/>
+      <p:italic r:id="rId17"/>
+      <p:boldItalic r:id="rId18"/>
     </p:embeddedFont>
   </p:embeddedFontLst>
   <p:defaultTextStyle>
@@ -256,7 +266,7 @@
   </p:defaultTextStyle>
   <p:extLst>
     <p:ext uri="{EFAFB233-063F-42B5-8137-9DF3F51BA10A}">
-      <p15:sldGuideLst xmlns:ahyp="http://schemas.microsoft.com/office/drawing/2018/hyperlinkcolor" xmlns:p15="http://schemas.microsoft.com/office/powerpoint/2012/main" xmlns:p14="http://schemas.microsoft.com/office/powerpoint/2010/main" xmlns:com="http://schemas.openxmlformats.org/drawingml/2006/compatibility" xmlns:pvml="urn:schemas-microsoft-com:office:powerpoint" xmlns:v="urn:schemas-microsoft-com:vml" xmlns:o="urn:schemas-microsoft-com:office:office" xmlns:dgm="http://schemas.openxmlformats.org/drawingml/2006/diagram" xmlns:c="http://schemas.openxmlformats.org/drawingml/2006/chart" xmlns:mv="urn:schemas-microsoft-com:mac:vml" xmlns:mc="http://schemas.openxmlformats.org/markup-compatibility/2006" xmlns="">
+      <p15:sldGuideLst xmlns:p15="http://schemas.microsoft.com/office/powerpoint/2012/main">
         <p15:guide id="1" orient="horz" pos="1620">
           <p15:clr>
             <a:srgbClr val="747775"/>
@@ -1232,6 +1242,333 @@
         </p:txBody>
       </p:sp>
     </p:spTree>
+  </p:cSld>
+  <p:clrMapOvr>
+    <a:masterClrMapping/>
+  </p:clrMapOvr>
+</p:notes>
+</file>
+
+<file path=ppt/notesSlides/notesSlide6.xml><?xml version="1.0" encoding="utf-8"?>
+<p:notes xmlns:a="http://schemas.openxmlformats.org/drawingml/2006/main" xmlns:r="http://schemas.openxmlformats.org/officeDocument/2006/relationships" xmlns:p="http://schemas.openxmlformats.org/presentationml/2006/main" showMasterSp="0" showMasterPhAnim="0">
+  <p:cSld>
+    <p:spTree>
+      <p:nvGrpSpPr>
+        <p:cNvPr id="1" name="Shape 99"/>
+        <p:cNvGrpSpPr/>
+        <p:nvPr/>
+      </p:nvGrpSpPr>
+      <p:grpSpPr>
+        <a:xfrm>
+          <a:off x="0" y="0"/>
+          <a:ext cx="0" cy="0"/>
+          <a:chOff x="0" y="0"/>
+          <a:chExt cx="0" cy="0"/>
+        </a:xfrm>
+      </p:grpSpPr>
+      <p:sp>
+        <p:nvSpPr>
+          <p:cNvPr id="100" name="Google Shape;100;g2ddc889944f_0_0:notes"/>
+          <p:cNvSpPr>
+            <a:spLocks noGrp="1" noRot="1" noChangeAspect="1"/>
+          </p:cNvSpPr>
+          <p:nvPr>
+            <p:ph type="sldImg" idx="2"/>
+          </p:nvPr>
+        </p:nvSpPr>
+        <p:spPr>
+          <a:xfrm>
+            <a:off x="381000" y="685800"/>
+            <a:ext cx="6096000" cy="3429000"/>
+          </a:xfrm>
+          <a:custGeom>
+            <a:avLst/>
+            <a:gdLst/>
+            <a:ahLst/>
+            <a:cxnLst/>
+            <a:rect l="l" t="t" r="r" b="b"/>
+            <a:pathLst>
+              <a:path w="120000" h="120000" extrusionOk="0">
+                <a:moveTo>
+                  <a:pt x="0" y="0"/>
+                </a:moveTo>
+                <a:lnTo>
+                  <a:pt x="120000" y="0"/>
+                </a:lnTo>
+                <a:lnTo>
+                  <a:pt x="120000" y="120000"/>
+                </a:lnTo>
+                <a:lnTo>
+                  <a:pt x="0" y="120000"/>
+                </a:lnTo>
+                <a:close/>
+              </a:path>
+            </a:pathLst>
+          </a:custGeom>
+        </p:spPr>
+      </p:sp>
+      <p:sp>
+        <p:nvSpPr>
+          <p:cNvPr id="101" name="Google Shape;101;g2ddc889944f_0_0:notes"/>
+          <p:cNvSpPr txBox="1">
+            <a:spLocks noGrp="1"/>
+          </p:cNvSpPr>
+          <p:nvPr>
+            <p:ph type="body" idx="1"/>
+          </p:nvPr>
+        </p:nvSpPr>
+        <p:spPr>
+          <a:xfrm>
+            <a:off x="685800" y="4343400"/>
+            <a:ext cx="5486400" cy="4114800"/>
+          </a:xfrm>
+          <a:prstGeom prst="rect">
+            <a:avLst/>
+          </a:prstGeom>
+        </p:spPr>
+        <p:txBody>
+          <a:bodyPr spcFirstLastPara="1" wrap="square" lIns="91425" tIns="91425" rIns="91425" bIns="91425" anchor="t" anchorCtr="0">
+            <a:noAutofit/>
+          </a:bodyPr>
+          <a:lstStyle/>
+          <a:p>
+            <a:pPr marL="0" lvl="0" indent="0" algn="l" rtl="0">
+              <a:spcBef>
+                <a:spcPts val="0"/>
+              </a:spcBef>
+              <a:spcAft>
+                <a:spcPts val="0"/>
+              </a:spcAft>
+              <a:buNone/>
+            </a:pPr>
+            <a:endParaRPr dirty="0"/>
+          </a:p>
+        </p:txBody>
+      </p:sp>
+    </p:spTree>
+    <p:extLst>
+      <p:ext uri="{BB962C8B-B14F-4D97-AF65-F5344CB8AC3E}">
+        <p14:creationId xmlns:p14="http://schemas.microsoft.com/office/powerpoint/2010/main" val="298374753"/>
+      </p:ext>
+    </p:extLst>
+  </p:cSld>
+  <p:clrMapOvr>
+    <a:masterClrMapping/>
+  </p:clrMapOvr>
+</p:notes>
+</file>
+
+<file path=ppt/notesSlides/notesSlide7.xml><?xml version="1.0" encoding="utf-8"?>
+<p:notes xmlns:a="http://schemas.openxmlformats.org/drawingml/2006/main" xmlns:r="http://schemas.openxmlformats.org/officeDocument/2006/relationships" xmlns:p="http://schemas.openxmlformats.org/presentationml/2006/main" showMasterSp="0" showMasterPhAnim="0">
+  <p:cSld>
+    <p:spTree>
+      <p:nvGrpSpPr>
+        <p:cNvPr id="1" name="Shape 99"/>
+        <p:cNvGrpSpPr/>
+        <p:nvPr/>
+      </p:nvGrpSpPr>
+      <p:grpSpPr>
+        <a:xfrm>
+          <a:off x="0" y="0"/>
+          <a:ext cx="0" cy="0"/>
+          <a:chOff x="0" y="0"/>
+          <a:chExt cx="0" cy="0"/>
+        </a:xfrm>
+      </p:grpSpPr>
+      <p:sp>
+        <p:nvSpPr>
+          <p:cNvPr id="100" name="Google Shape;100;g2ddc889944f_0_0:notes"/>
+          <p:cNvSpPr>
+            <a:spLocks noGrp="1" noRot="1" noChangeAspect="1"/>
+          </p:cNvSpPr>
+          <p:nvPr>
+            <p:ph type="sldImg" idx="2"/>
+          </p:nvPr>
+        </p:nvSpPr>
+        <p:spPr>
+          <a:xfrm>
+            <a:off x="381000" y="685800"/>
+            <a:ext cx="6096000" cy="3429000"/>
+          </a:xfrm>
+          <a:custGeom>
+            <a:avLst/>
+            <a:gdLst/>
+            <a:ahLst/>
+            <a:cxnLst/>
+            <a:rect l="l" t="t" r="r" b="b"/>
+            <a:pathLst>
+              <a:path w="120000" h="120000" extrusionOk="0">
+                <a:moveTo>
+                  <a:pt x="0" y="0"/>
+                </a:moveTo>
+                <a:lnTo>
+                  <a:pt x="120000" y="0"/>
+                </a:lnTo>
+                <a:lnTo>
+                  <a:pt x="120000" y="120000"/>
+                </a:lnTo>
+                <a:lnTo>
+                  <a:pt x="0" y="120000"/>
+                </a:lnTo>
+                <a:close/>
+              </a:path>
+            </a:pathLst>
+          </a:custGeom>
+        </p:spPr>
+      </p:sp>
+      <p:sp>
+        <p:nvSpPr>
+          <p:cNvPr id="101" name="Google Shape;101;g2ddc889944f_0_0:notes"/>
+          <p:cNvSpPr txBox="1">
+            <a:spLocks noGrp="1"/>
+          </p:cNvSpPr>
+          <p:nvPr>
+            <p:ph type="body" idx="1"/>
+          </p:nvPr>
+        </p:nvSpPr>
+        <p:spPr>
+          <a:xfrm>
+            <a:off x="685800" y="4343400"/>
+            <a:ext cx="5486400" cy="4114800"/>
+          </a:xfrm>
+          <a:prstGeom prst="rect">
+            <a:avLst/>
+          </a:prstGeom>
+        </p:spPr>
+        <p:txBody>
+          <a:bodyPr spcFirstLastPara="1" wrap="square" lIns="91425" tIns="91425" rIns="91425" bIns="91425" anchor="t" anchorCtr="0">
+            <a:noAutofit/>
+          </a:bodyPr>
+          <a:lstStyle/>
+          <a:p>
+            <a:pPr marL="0" lvl="0" indent="0" algn="l" rtl="0">
+              <a:spcBef>
+                <a:spcPts val="0"/>
+              </a:spcBef>
+              <a:spcAft>
+                <a:spcPts val="0"/>
+              </a:spcAft>
+              <a:buNone/>
+            </a:pPr>
+            <a:endParaRPr dirty="0"/>
+          </a:p>
+        </p:txBody>
+      </p:sp>
+    </p:spTree>
+    <p:extLst>
+      <p:ext uri="{BB962C8B-B14F-4D97-AF65-F5344CB8AC3E}">
+        <p14:creationId xmlns:p14="http://schemas.microsoft.com/office/powerpoint/2010/main" val="1124032886"/>
+      </p:ext>
+    </p:extLst>
+  </p:cSld>
+  <p:clrMapOvr>
+    <a:masterClrMapping/>
+  </p:clrMapOvr>
+</p:notes>
+</file>
+
+<file path=ppt/notesSlides/notesSlide8.xml><?xml version="1.0" encoding="utf-8"?>
+<p:notes xmlns:a="http://schemas.openxmlformats.org/drawingml/2006/main" xmlns:r="http://schemas.openxmlformats.org/officeDocument/2006/relationships" xmlns:p="http://schemas.openxmlformats.org/presentationml/2006/main" showMasterSp="0" showMasterPhAnim="0">
+  <p:cSld>
+    <p:spTree>
+      <p:nvGrpSpPr>
+        <p:cNvPr id="1" name="Shape 99"/>
+        <p:cNvGrpSpPr/>
+        <p:nvPr/>
+      </p:nvGrpSpPr>
+      <p:grpSpPr>
+        <a:xfrm>
+          <a:off x="0" y="0"/>
+          <a:ext cx="0" cy="0"/>
+          <a:chOff x="0" y="0"/>
+          <a:chExt cx="0" cy="0"/>
+        </a:xfrm>
+      </p:grpSpPr>
+      <p:sp>
+        <p:nvSpPr>
+          <p:cNvPr id="100" name="Google Shape;100;g2ddc889944f_0_0:notes"/>
+          <p:cNvSpPr>
+            <a:spLocks noGrp="1" noRot="1" noChangeAspect="1"/>
+          </p:cNvSpPr>
+          <p:nvPr>
+            <p:ph type="sldImg" idx="2"/>
+          </p:nvPr>
+        </p:nvSpPr>
+        <p:spPr>
+          <a:xfrm>
+            <a:off x="381000" y="685800"/>
+            <a:ext cx="6096000" cy="3429000"/>
+          </a:xfrm>
+          <a:custGeom>
+            <a:avLst/>
+            <a:gdLst/>
+            <a:ahLst/>
+            <a:cxnLst/>
+            <a:rect l="l" t="t" r="r" b="b"/>
+            <a:pathLst>
+              <a:path w="120000" h="120000" extrusionOk="0">
+                <a:moveTo>
+                  <a:pt x="0" y="0"/>
+                </a:moveTo>
+                <a:lnTo>
+                  <a:pt x="120000" y="0"/>
+                </a:lnTo>
+                <a:lnTo>
+                  <a:pt x="120000" y="120000"/>
+                </a:lnTo>
+                <a:lnTo>
+                  <a:pt x="0" y="120000"/>
+                </a:lnTo>
+                <a:close/>
+              </a:path>
+            </a:pathLst>
+          </a:custGeom>
+        </p:spPr>
+      </p:sp>
+      <p:sp>
+        <p:nvSpPr>
+          <p:cNvPr id="101" name="Google Shape;101;g2ddc889944f_0_0:notes"/>
+          <p:cNvSpPr txBox="1">
+            <a:spLocks noGrp="1"/>
+          </p:cNvSpPr>
+          <p:nvPr>
+            <p:ph type="body" idx="1"/>
+          </p:nvPr>
+        </p:nvSpPr>
+        <p:spPr>
+          <a:xfrm>
+            <a:off x="685800" y="4343400"/>
+            <a:ext cx="5486400" cy="4114800"/>
+          </a:xfrm>
+          <a:prstGeom prst="rect">
+            <a:avLst/>
+          </a:prstGeom>
+        </p:spPr>
+        <p:txBody>
+          <a:bodyPr spcFirstLastPara="1" wrap="square" lIns="91425" tIns="91425" rIns="91425" bIns="91425" anchor="t" anchorCtr="0">
+            <a:noAutofit/>
+          </a:bodyPr>
+          <a:lstStyle/>
+          <a:p>
+            <a:pPr marL="0" lvl="0" indent="0" algn="l" rtl="0">
+              <a:spcBef>
+                <a:spcPts val="0"/>
+              </a:spcBef>
+              <a:spcAft>
+                <a:spcPts val="0"/>
+              </a:spcAft>
+              <a:buNone/>
+            </a:pPr>
+            <a:endParaRPr dirty="0"/>
+          </a:p>
+        </p:txBody>
+      </p:sp>
+    </p:spTree>
+    <p:extLst>
+      <p:ext uri="{BB962C8B-B14F-4D97-AF65-F5344CB8AC3E}">
+        <p14:creationId xmlns:p14="http://schemas.microsoft.com/office/powerpoint/2010/main" val="2267403019"/>
+      </p:ext>
+    </p:extLst>
   </p:cSld>
   <p:clrMapOvr>
     <a:masterClrMapping/>
@@ -7924,10 +8261,6 @@
               <a:rPr lang="en-US" sz="3280" b="1" dirty="0" smtClean="0"/>
               <a:t>PYTHON LIBRARIES</a:t>
             </a:r>
-            <a:r>
-              <a:rPr lang="en-US" sz="3280" b="1" dirty="0" smtClean="0"/>
-              <a:t/>
-            </a:r>
             <a:br>
               <a:rPr lang="en-US" sz="3280" b="1" dirty="0" smtClean="0"/>
             </a:br>
@@ -8267,14 +8600,6 @@
                 </a:solidFill>
               </a:rPr>
               <a:t>([1, 2, 3, 4, 5])</a:t>
-            </a:r>
-            <a:r>
-              <a:rPr lang="en-US" b="1" dirty="0">
-                <a:solidFill>
-                  <a:schemeClr val="tx1"/>
-                </a:solidFill>
-              </a:rPr>
-              <a:t/>
             </a:r>
             <a:br>
               <a:rPr lang="en-US" b="1" dirty="0">
@@ -8494,14 +8819,6 @@
               </a:rPr>
               <a:t> as np</a:t>
             </a:r>
-            <a:r>
-              <a:rPr lang="en-US" sz="1200" dirty="0">
-                <a:solidFill>
-                  <a:schemeClr val="tx1"/>
-                </a:solidFill>
-              </a:rPr>
-              <a:t/>
-            </a:r>
             <a:br>
               <a:rPr lang="en-US" sz="1200" dirty="0">
                 <a:solidFill>
@@ -8548,14 +8865,6 @@
                 </a:solidFill>
               </a:rPr>
               <a:t>([1, 2, 3, 4, 5])</a:t>
-            </a:r>
-            <a:r>
-              <a:rPr lang="en-US" sz="1200" dirty="0">
-                <a:solidFill>
-                  <a:schemeClr val="tx1"/>
-                </a:solidFill>
-              </a:rPr>
-              <a:t/>
             </a:r>
             <a:br>
               <a:rPr lang="en-US" sz="1200" dirty="0">
@@ -8635,14 +8944,6 @@
               </a:rPr>
               <a:t> as np</a:t>
             </a:r>
-            <a:r>
-              <a:rPr lang="en-US" sz="1200" dirty="0">
-                <a:solidFill>
-                  <a:schemeClr val="tx1"/>
-                </a:solidFill>
-              </a:rPr>
-              <a:t/>
-            </a:r>
             <a:br>
               <a:rPr lang="en-US" sz="1200" dirty="0">
                 <a:solidFill>
@@ -8799,14 +9100,6 @@
               </a:rPr>
               <a:t> as np</a:t>
             </a:r>
-            <a:r>
-              <a:rPr lang="en-US" sz="1200" b="1" dirty="0">
-                <a:solidFill>
-                  <a:schemeClr val="tx1"/>
-                </a:solidFill>
-              </a:rPr>
-              <a:t/>
-            </a:r>
             <a:br>
               <a:rPr lang="en-US" sz="1200" b="1" dirty="0">
                 <a:solidFill>
@@ -8854,14 +9147,6 @@
               </a:rPr>
               <a:t>([1, 2, 3, 4, 5])</a:t>
             </a:r>
-            <a:r>
-              <a:rPr lang="en-US" sz="1200" b="1" dirty="0">
-                <a:solidFill>
-                  <a:schemeClr val="tx1"/>
-                </a:solidFill>
-              </a:rPr>
-              <a:t/>
-            </a:r>
             <a:br>
               <a:rPr lang="en-US" sz="1200" b="1" dirty="0">
                 <a:solidFill>
@@ -8892,14 +9177,6 @@
                 </a:solidFill>
               </a:rPr>
               <a:t>)</a:t>
-            </a:r>
-            <a:r>
-              <a:rPr lang="en-US" sz="1200" b="1" dirty="0">
-                <a:solidFill>
-                  <a:schemeClr val="tx1"/>
-                </a:solidFill>
-              </a:rPr>
-              <a:t/>
             </a:r>
             <a:br>
               <a:rPr lang="en-US" sz="1200" b="1" dirty="0">
@@ -9095,14 +9372,6 @@
               </a:rPr>
               <a:t> as np</a:t>
             </a:r>
-            <a:r>
-              <a:rPr lang="en-US" sz="1200" dirty="0">
-                <a:solidFill>
-                  <a:schemeClr val="tx1"/>
-                </a:solidFill>
-              </a:rPr>
-              <a:t/>
-            </a:r>
             <a:br>
               <a:rPr lang="en-US" sz="1200" dirty="0">
                 <a:solidFill>
@@ -9149,14 +9418,6 @@
                 </a:solidFill>
               </a:rPr>
               <a:t>([[1, 2, 3], [4, 5, 6]])</a:t>
-            </a:r>
-            <a:r>
-              <a:rPr lang="en-US" sz="1200" dirty="0">
-                <a:solidFill>
-                  <a:schemeClr val="tx1"/>
-                </a:solidFill>
-              </a:rPr>
-              <a:t/>
             </a:r>
             <a:br>
               <a:rPr lang="en-US" sz="1200" dirty="0">
@@ -9257,14 +9518,6 @@
               </a:rPr>
               <a:t> as np</a:t>
             </a:r>
-            <a:r>
-              <a:rPr lang="en-US" sz="1200" dirty="0">
-                <a:solidFill>
-                  <a:schemeClr val="tx1"/>
-                </a:solidFill>
-              </a:rPr>
-              <a:t/>
-            </a:r>
             <a:br>
               <a:rPr lang="en-US" sz="1200" dirty="0">
                 <a:solidFill>
@@ -9311,14 +9564,6 @@
                 </a:solidFill>
               </a:rPr>
               <a:t>([[[1, 2, 3], [4, 5, 6]], [[1, 2, 3], [4, 5, 6]]])</a:t>
-            </a:r>
-            <a:r>
-              <a:rPr lang="en-US" sz="1200" dirty="0">
-                <a:solidFill>
-                  <a:schemeClr val="tx1"/>
-                </a:solidFill>
-              </a:rPr>
-              <a:t/>
             </a:r>
             <a:br>
               <a:rPr lang="en-US" sz="1200" dirty="0">
@@ -9506,14 +9751,6 @@
               </a:rPr>
               <a:t> as np</a:t>
             </a:r>
-            <a:r>
-              <a:rPr lang="en-US" sz="1200" b="1" dirty="0">
-                <a:solidFill>
-                  <a:schemeClr val="tx1"/>
-                </a:solidFill>
-              </a:rPr>
-              <a:t/>
-            </a:r>
             <a:br>
               <a:rPr lang="en-US" sz="1200" b="1" dirty="0">
                 <a:solidFill>
@@ -9560,14 +9797,6 @@
               </a:rPr>
               <a:t>(42)</a:t>
             </a:r>
-            <a:r>
-              <a:rPr lang="en-US" sz="1200" b="1" dirty="0">
-                <a:solidFill>
-                  <a:schemeClr val="tx1"/>
-                </a:solidFill>
-              </a:rPr>
-              <a:t/>
-            </a:r>
             <a:br>
               <a:rPr lang="en-US" sz="1200" b="1" dirty="0">
                 <a:solidFill>
@@ -9599,14 +9828,6 @@
               </a:rPr>
               <a:t>([1, 2, 3, 4, 5])</a:t>
             </a:r>
-            <a:r>
-              <a:rPr lang="en-US" sz="1200" b="1" dirty="0">
-                <a:solidFill>
-                  <a:schemeClr val="tx1"/>
-                </a:solidFill>
-              </a:rPr>
-              <a:t/>
-            </a:r>
             <a:br>
               <a:rPr lang="en-US" sz="1200" b="1" dirty="0">
                 <a:solidFill>
@@ -9638,14 +9859,6 @@
               </a:rPr>
               <a:t>([[1, 2, 3], [4, 5, 6]])</a:t>
             </a:r>
-            <a:r>
-              <a:rPr lang="en-US" sz="1200" b="1" dirty="0">
-                <a:solidFill>
-                  <a:schemeClr val="tx1"/>
-                </a:solidFill>
-              </a:rPr>
-              <a:t/>
-            </a:r>
             <a:br>
               <a:rPr lang="en-US" sz="1200" b="1" dirty="0">
                 <a:solidFill>
@@ -9677,14 +9890,6 @@
               </a:rPr>
               <a:t>([[[1, 2, 3], [4, 5, 6]], [[1, 2, 3], [4, 5, 6]]])</a:t>
             </a:r>
-            <a:r>
-              <a:rPr lang="en-US" sz="1200" b="1" dirty="0">
-                <a:solidFill>
-                  <a:schemeClr val="tx1"/>
-                </a:solidFill>
-              </a:rPr>
-              <a:t/>
-            </a:r>
             <a:br>
               <a:rPr lang="en-US" sz="1200" b="1" dirty="0">
                 <a:solidFill>
@@ -9731,14 +9936,6 @@
               </a:rPr>
               <a:t>)</a:t>
             </a:r>
-            <a:r>
-              <a:rPr lang="en-US" sz="1200" b="1" dirty="0">
-                <a:solidFill>
-                  <a:schemeClr val="tx1"/>
-                </a:solidFill>
-              </a:rPr>
-              <a:t/>
-            </a:r>
             <a:br>
               <a:rPr lang="en-US" sz="1200" b="1" dirty="0">
                 <a:solidFill>
@@ -9770,14 +9967,6 @@
               </a:rPr>
               <a:t>)</a:t>
             </a:r>
-            <a:r>
-              <a:rPr lang="en-US" sz="1200" b="1" dirty="0">
-                <a:solidFill>
-                  <a:schemeClr val="tx1"/>
-                </a:solidFill>
-              </a:rPr>
-              <a:t/>
-            </a:r>
             <a:br>
               <a:rPr lang="en-US" sz="1200" b="1" dirty="0">
                 <a:solidFill>
@@ -9808,14 +9997,6 @@
                 </a:solidFill>
               </a:rPr>
               <a:t>)</a:t>
-            </a:r>
-            <a:r>
-              <a:rPr lang="en-US" sz="1200" b="1" dirty="0">
-                <a:solidFill>
-                  <a:schemeClr val="tx1"/>
-                </a:solidFill>
-              </a:rPr>
-              <a:t/>
             </a:r>
             <a:br>
               <a:rPr lang="en-US" sz="1200" b="1" dirty="0">
@@ -9897,14 +10078,6 @@
                 </a:solidFill>
               </a:rPr>
               <a:t> as np</a:t>
-            </a:r>
-            <a:r>
-              <a:rPr lang="en-US" sz="1200" dirty="0">
-                <a:solidFill>
-                  <a:schemeClr val="tx1"/>
-                </a:solidFill>
-              </a:rPr>
-              <a:t/>
             </a:r>
             <a:br>
               <a:rPr lang="en-US" sz="1200" dirty="0">
@@ -10004,6 +10177,4096 @@
     <p:extLst>
       <p:ext uri="{BB962C8B-B14F-4D97-AF65-F5344CB8AC3E}">
         <p14:creationId xmlns:p14="http://schemas.microsoft.com/office/powerpoint/2010/main" val="2950526010"/>
+      </p:ext>
+    </p:extLst>
+  </p:cSld>
+  <p:clrMapOvr>
+    <a:masterClrMapping/>
+  </p:clrMapOvr>
+  <p:timing>
+    <p:tnLst>
+      <p:par>
+        <p:cTn id="1" dur="indefinite" restart="never" nodeType="tmRoot"/>
+      </p:par>
+    </p:tnLst>
+  </p:timing>
+</p:sld>
+</file>
+
+<file path=ppt/slides/slide6.xml><?xml version="1.0" encoding="utf-8"?>
+<p:sld xmlns:a="http://schemas.openxmlformats.org/drawingml/2006/main" xmlns:r="http://schemas.openxmlformats.org/officeDocument/2006/relationships" xmlns:p="http://schemas.openxmlformats.org/presentationml/2006/main">
+  <p:cSld>
+    <p:bg>
+      <p:bgPr>
+        <a:noFill/>
+        <a:effectLst/>
+      </p:bgPr>
+    </p:bg>
+    <p:spTree>
+      <p:nvGrpSpPr>
+        <p:cNvPr id="1" name="Shape 102"/>
+        <p:cNvGrpSpPr/>
+        <p:nvPr/>
+      </p:nvGrpSpPr>
+      <p:grpSpPr>
+        <a:xfrm>
+          <a:off x="0" y="0"/>
+          <a:ext cx="0" cy="0"/>
+          <a:chOff x="0" y="0"/>
+          <a:chExt cx="0" cy="0"/>
+        </a:xfrm>
+      </p:grpSpPr>
+      <p:sp>
+        <p:nvSpPr>
+          <p:cNvPr id="103" name="Google Shape;103;p16"/>
+          <p:cNvSpPr txBox="1">
+            <a:spLocks noGrp="1"/>
+          </p:cNvSpPr>
+          <p:nvPr>
+            <p:ph type="title"/>
+          </p:nvPr>
+        </p:nvSpPr>
+        <p:spPr>
+          <a:xfrm>
+            <a:off x="0" y="3650"/>
+            <a:ext cx="9144000" cy="523232"/>
+          </a:xfrm>
+          <a:prstGeom prst="rect">
+            <a:avLst/>
+          </a:prstGeom>
+        </p:spPr>
+        <p:txBody>
+          <a:bodyPr spcFirstLastPara="1" wrap="square" lIns="91425" tIns="91425" rIns="91425" bIns="91425" anchor="t" anchorCtr="0">
+            <a:noAutofit/>
+          </a:bodyPr>
+          <a:lstStyle/>
+          <a:p>
+            <a:pPr algn="ctr"/>
+            <a:r>
+              <a:rPr lang="en-US" sz="2400" b="1" dirty="0" smtClean="0"/>
+              <a:t>NUMPY [NUMERICAL PYTHON]</a:t>
+            </a:r>
+            <a:endParaRPr lang="en-US" sz="2400" b="1" dirty="0"/>
+          </a:p>
+        </p:txBody>
+      </p:sp>
+      <p:sp>
+        <p:nvSpPr>
+          <p:cNvPr id="3" name="Rectangle 2"/>
+          <p:cNvSpPr/>
+          <p:nvPr/>
+        </p:nvSpPr>
+        <p:spPr>
+          <a:xfrm>
+            <a:off x="327982" y="717407"/>
+            <a:ext cx="8089641" cy="4001095"/>
+          </a:xfrm>
+          <a:prstGeom prst="rect">
+            <a:avLst/>
+          </a:prstGeom>
+        </p:spPr>
+        <p:txBody>
+          <a:bodyPr wrap="square">
+            <a:spAutoFit/>
+          </a:bodyPr>
+          <a:lstStyle/>
+          <a:p>
+            <a:pPr fontAlgn="base"/>
+            <a:r>
+              <a:rPr lang="en-US" b="1" u="sng" dirty="0"/>
+              <a:t>Sorting </a:t>
+            </a:r>
+            <a:r>
+              <a:rPr lang="en-US" b="1" u="sng" dirty="0" smtClean="0"/>
+              <a:t>Array (1-Dim)</a:t>
+            </a:r>
+          </a:p>
+          <a:p>
+            <a:pPr fontAlgn="base"/>
+            <a:r>
+              <a:rPr lang="en-US" altLang="en-US" dirty="0">
+                <a:latin typeface="Consolas" panose="020B0609020204030204" pitchFamily="49" charset="0"/>
+              </a:rPr>
+              <a:t>a </a:t>
+            </a:r>
+            <a:r>
+              <a:rPr lang="en-US" altLang="en-US" b="1" dirty="0">
+                <a:solidFill>
+                  <a:srgbClr val="006699"/>
+                </a:solidFill>
+                <a:latin typeface="Consolas" panose="020B0609020204030204" pitchFamily="49" charset="0"/>
+              </a:rPr>
+              <a:t>=</a:t>
+            </a:r>
+            <a:r>
+              <a:rPr lang="en-US" altLang="en-US" sz="1600" dirty="0">
+                <a:solidFill>
+                  <a:srgbClr val="273239"/>
+                </a:solidFill>
+                <a:latin typeface="Consolas" panose="020B0609020204030204" pitchFamily="49" charset="0"/>
+              </a:rPr>
+              <a:t> </a:t>
+            </a:r>
+            <a:r>
+              <a:rPr lang="en-US" altLang="en-US" dirty="0" err="1">
+                <a:latin typeface="Consolas" panose="020B0609020204030204" pitchFamily="49" charset="0"/>
+              </a:rPr>
+              <a:t>np.array</a:t>
+            </a:r>
+            <a:r>
+              <a:rPr lang="en-US" altLang="en-US" dirty="0">
+                <a:latin typeface="Consolas" panose="020B0609020204030204" pitchFamily="49" charset="0"/>
+              </a:rPr>
+              <a:t>([</a:t>
+            </a:r>
+            <a:r>
+              <a:rPr lang="en-US" altLang="en-US" dirty="0">
+                <a:solidFill>
+                  <a:srgbClr val="009900"/>
+                </a:solidFill>
+                <a:latin typeface="Consolas" panose="020B0609020204030204" pitchFamily="49" charset="0"/>
+              </a:rPr>
+              <a:t>12</a:t>
+            </a:r>
+            <a:r>
+              <a:rPr lang="en-US" altLang="en-US" dirty="0">
+                <a:latin typeface="Consolas" panose="020B0609020204030204" pitchFamily="49" charset="0"/>
+              </a:rPr>
+              <a:t>, </a:t>
+            </a:r>
+            <a:r>
+              <a:rPr lang="en-US" altLang="en-US" dirty="0">
+                <a:solidFill>
+                  <a:srgbClr val="009900"/>
+                </a:solidFill>
+                <a:latin typeface="Consolas" panose="020B0609020204030204" pitchFamily="49" charset="0"/>
+              </a:rPr>
+              <a:t>15</a:t>
+            </a:r>
+            <a:r>
+              <a:rPr lang="en-US" altLang="en-US" dirty="0">
+                <a:latin typeface="Consolas" panose="020B0609020204030204" pitchFamily="49" charset="0"/>
+              </a:rPr>
+              <a:t>, </a:t>
+            </a:r>
+            <a:r>
+              <a:rPr lang="en-US" altLang="en-US" dirty="0">
+                <a:solidFill>
+                  <a:srgbClr val="009900"/>
+                </a:solidFill>
+                <a:latin typeface="Consolas" panose="020B0609020204030204" pitchFamily="49" charset="0"/>
+              </a:rPr>
+              <a:t>10</a:t>
+            </a:r>
+            <a:r>
+              <a:rPr lang="en-US" altLang="en-US" dirty="0">
+                <a:latin typeface="Consolas" panose="020B0609020204030204" pitchFamily="49" charset="0"/>
+              </a:rPr>
+              <a:t>, </a:t>
+            </a:r>
+            <a:r>
+              <a:rPr lang="en-US" altLang="en-US" dirty="0">
+                <a:solidFill>
+                  <a:srgbClr val="009900"/>
+                </a:solidFill>
+                <a:latin typeface="Consolas" panose="020B0609020204030204" pitchFamily="49" charset="0"/>
+              </a:rPr>
+              <a:t>1</a:t>
+            </a:r>
+            <a:r>
+              <a:rPr lang="en-US" altLang="en-US" dirty="0">
+                <a:latin typeface="Consolas" panose="020B0609020204030204" pitchFamily="49" charset="0"/>
+              </a:rPr>
+              <a:t>]) </a:t>
+            </a:r>
+            <a:endParaRPr lang="en-US" altLang="en-US" sz="2400" dirty="0">
+              <a:solidFill>
+                <a:schemeClr val="tx1"/>
+              </a:solidFill>
+              <a:latin typeface="Arial" panose="020B0604020202020204" pitchFamily="34" charset="0"/>
+            </a:endParaRPr>
+          </a:p>
+          <a:p>
+            <a:pPr fontAlgn="base"/>
+            <a:r>
+              <a:rPr lang="en-US" dirty="0" err="1"/>
+              <a:t>a.sort</a:t>
+            </a:r>
+            <a:r>
+              <a:rPr lang="en-US" dirty="0"/>
+              <a:t>() </a:t>
+            </a:r>
+            <a:endParaRPr lang="en-US" dirty="0" smtClean="0"/>
+          </a:p>
+          <a:p>
+            <a:pPr fontAlgn="base"/>
+            <a:endParaRPr lang="en-US" b="1" dirty="0" smtClean="0"/>
+          </a:p>
+          <a:p>
+            <a:pPr fontAlgn="base"/>
+            <a:r>
+              <a:rPr lang="en-US" b="1" u="sng" dirty="0"/>
+              <a:t>Sorting Array </a:t>
+            </a:r>
+            <a:r>
+              <a:rPr lang="en-US" b="1" u="sng" dirty="0" smtClean="0"/>
+              <a:t>(2-Dim</a:t>
+            </a:r>
+            <a:r>
+              <a:rPr lang="en-US" b="1" u="sng" dirty="0"/>
+              <a:t>)</a:t>
+            </a:r>
+          </a:p>
+          <a:p>
+            <a:pPr fontAlgn="base"/>
+            <a:endParaRPr lang="en-US" b="1" dirty="0"/>
+          </a:p>
+          <a:p>
+            <a:pPr lvl="0" eaLnBrk="0" fontAlgn="base" hangingPunct="0">
+              <a:spcBef>
+                <a:spcPct val="0"/>
+              </a:spcBef>
+              <a:spcAft>
+                <a:spcPct val="0"/>
+              </a:spcAft>
+              <a:buClrTx/>
+            </a:pPr>
+            <a:r>
+              <a:rPr lang="en-US" altLang="en-US" dirty="0">
+                <a:latin typeface="Consolas" panose="020B0609020204030204" pitchFamily="49" charset="0"/>
+              </a:rPr>
+              <a:t>a </a:t>
+            </a:r>
+            <a:r>
+              <a:rPr lang="en-US" altLang="en-US" b="1" dirty="0">
+                <a:solidFill>
+                  <a:srgbClr val="006699"/>
+                </a:solidFill>
+                <a:latin typeface="Consolas" panose="020B0609020204030204" pitchFamily="49" charset="0"/>
+              </a:rPr>
+              <a:t>=</a:t>
+            </a:r>
+            <a:r>
+              <a:rPr lang="en-US" altLang="en-US" sz="800" dirty="0">
+                <a:solidFill>
+                  <a:srgbClr val="273239"/>
+                </a:solidFill>
+                <a:latin typeface="Consolas" panose="020B0609020204030204" pitchFamily="49" charset="0"/>
+              </a:rPr>
+              <a:t> </a:t>
+            </a:r>
+            <a:r>
+              <a:rPr lang="en-US" altLang="en-US" dirty="0" err="1">
+                <a:latin typeface="Consolas" panose="020B0609020204030204" pitchFamily="49" charset="0"/>
+              </a:rPr>
+              <a:t>np.array</a:t>
+            </a:r>
+            <a:r>
+              <a:rPr lang="en-US" altLang="en-US" dirty="0">
+                <a:latin typeface="Consolas" panose="020B0609020204030204" pitchFamily="49" charset="0"/>
+              </a:rPr>
+              <a:t>([[</a:t>
+            </a:r>
+            <a:r>
+              <a:rPr lang="en-US" altLang="en-US" dirty="0">
+                <a:solidFill>
+                  <a:srgbClr val="009900"/>
+                </a:solidFill>
+                <a:latin typeface="Consolas" panose="020B0609020204030204" pitchFamily="49" charset="0"/>
+              </a:rPr>
+              <a:t>12</a:t>
+            </a:r>
+            <a:r>
+              <a:rPr lang="en-US" altLang="en-US" dirty="0">
+                <a:latin typeface="Consolas" panose="020B0609020204030204" pitchFamily="49" charset="0"/>
+              </a:rPr>
+              <a:t>, </a:t>
+            </a:r>
+            <a:r>
+              <a:rPr lang="en-US" altLang="en-US" dirty="0">
+                <a:solidFill>
+                  <a:srgbClr val="009900"/>
+                </a:solidFill>
+                <a:latin typeface="Consolas" panose="020B0609020204030204" pitchFamily="49" charset="0"/>
+              </a:rPr>
+              <a:t>15</a:t>
+            </a:r>
+            <a:r>
+              <a:rPr lang="en-US" altLang="en-US" dirty="0">
+                <a:latin typeface="Consolas" panose="020B0609020204030204" pitchFamily="49" charset="0"/>
+              </a:rPr>
+              <a:t>], [</a:t>
+            </a:r>
+            <a:r>
+              <a:rPr lang="en-US" altLang="en-US" dirty="0">
+                <a:solidFill>
+                  <a:srgbClr val="009900"/>
+                </a:solidFill>
+                <a:latin typeface="Consolas" panose="020B0609020204030204" pitchFamily="49" charset="0"/>
+              </a:rPr>
+              <a:t>10</a:t>
+            </a:r>
+            <a:r>
+              <a:rPr lang="en-US" altLang="en-US" dirty="0">
+                <a:latin typeface="Consolas" panose="020B0609020204030204" pitchFamily="49" charset="0"/>
+              </a:rPr>
+              <a:t>, </a:t>
+            </a:r>
+            <a:r>
+              <a:rPr lang="en-US" altLang="en-US" dirty="0">
+                <a:solidFill>
+                  <a:srgbClr val="009900"/>
+                </a:solidFill>
+                <a:latin typeface="Consolas" panose="020B0609020204030204" pitchFamily="49" charset="0"/>
+              </a:rPr>
+              <a:t>1</a:t>
+            </a:r>
+            <a:r>
+              <a:rPr lang="en-US" altLang="en-US" dirty="0">
+                <a:latin typeface="Consolas" panose="020B0609020204030204" pitchFamily="49" charset="0"/>
+              </a:rPr>
+              <a:t>]]) </a:t>
+            </a:r>
+            <a:endParaRPr lang="en-US" altLang="en-US" sz="800" dirty="0">
+              <a:solidFill>
+                <a:schemeClr val="tx1"/>
+              </a:solidFill>
+            </a:endParaRPr>
+          </a:p>
+          <a:p>
+            <a:pPr lvl="0" eaLnBrk="0" fontAlgn="base" hangingPunct="0">
+              <a:spcBef>
+                <a:spcPct val="0"/>
+              </a:spcBef>
+              <a:spcAft>
+                <a:spcPct val="0"/>
+              </a:spcAft>
+              <a:buClrTx/>
+            </a:pPr>
+            <a:r>
+              <a:rPr lang="en-US" altLang="en-US" dirty="0">
+                <a:latin typeface="Consolas" panose="020B0609020204030204" pitchFamily="49" charset="0"/>
+              </a:rPr>
+              <a:t>arr1 </a:t>
+            </a:r>
+            <a:r>
+              <a:rPr lang="en-US" altLang="en-US" b="1" dirty="0">
+                <a:solidFill>
+                  <a:srgbClr val="006699"/>
+                </a:solidFill>
+                <a:latin typeface="Consolas" panose="020B0609020204030204" pitchFamily="49" charset="0"/>
+              </a:rPr>
+              <a:t>=</a:t>
+            </a:r>
+            <a:r>
+              <a:rPr lang="en-US" altLang="en-US" sz="800" dirty="0">
+                <a:solidFill>
+                  <a:srgbClr val="273239"/>
+                </a:solidFill>
+                <a:latin typeface="Consolas" panose="020B0609020204030204" pitchFamily="49" charset="0"/>
+              </a:rPr>
+              <a:t> </a:t>
+            </a:r>
+            <a:r>
+              <a:rPr lang="en-US" altLang="en-US" dirty="0" err="1">
+                <a:latin typeface="Consolas" panose="020B0609020204030204" pitchFamily="49" charset="0"/>
+              </a:rPr>
+              <a:t>np.sort</a:t>
+            </a:r>
+            <a:r>
+              <a:rPr lang="en-US" altLang="en-US" dirty="0">
+                <a:latin typeface="Consolas" panose="020B0609020204030204" pitchFamily="49" charset="0"/>
+              </a:rPr>
+              <a:t>(a, axis </a:t>
+            </a:r>
+            <a:r>
+              <a:rPr lang="en-US" altLang="en-US" b="1" dirty="0">
+                <a:solidFill>
+                  <a:srgbClr val="006699"/>
+                </a:solidFill>
+                <a:latin typeface="Consolas" panose="020B0609020204030204" pitchFamily="49" charset="0"/>
+              </a:rPr>
+              <a:t>=</a:t>
+            </a:r>
+            <a:r>
+              <a:rPr lang="en-US" altLang="en-US" sz="800" dirty="0">
+                <a:solidFill>
+                  <a:srgbClr val="273239"/>
+                </a:solidFill>
+                <a:latin typeface="Consolas" panose="020B0609020204030204" pitchFamily="49" charset="0"/>
+              </a:rPr>
+              <a:t> </a:t>
+            </a:r>
+            <a:r>
+              <a:rPr lang="en-US" altLang="en-US" dirty="0">
+                <a:solidFill>
+                  <a:srgbClr val="009900"/>
+                </a:solidFill>
+                <a:latin typeface="Consolas" panose="020B0609020204030204" pitchFamily="49" charset="0"/>
+              </a:rPr>
+              <a:t>0</a:t>
+            </a:r>
+            <a:r>
+              <a:rPr lang="en-US" altLang="en-US" dirty="0">
+                <a:latin typeface="Consolas" panose="020B0609020204030204" pitchFamily="49" charset="0"/>
+              </a:rPr>
+              <a:t>)     </a:t>
+            </a:r>
+            <a:endParaRPr lang="en-US" altLang="en-US" sz="800" dirty="0">
+              <a:solidFill>
+                <a:schemeClr val="tx1"/>
+              </a:solidFill>
+            </a:endParaRPr>
+          </a:p>
+          <a:p>
+            <a:pPr lvl="0" eaLnBrk="0" fontAlgn="base" hangingPunct="0">
+              <a:spcBef>
+                <a:spcPct val="0"/>
+              </a:spcBef>
+              <a:spcAft>
+                <a:spcPct val="0"/>
+              </a:spcAft>
+              <a:buClrTx/>
+            </a:pPr>
+            <a:r>
+              <a:rPr lang="en-US" altLang="en-US" dirty="0">
+                <a:solidFill>
+                  <a:srgbClr val="FF1493"/>
+                </a:solidFill>
+                <a:latin typeface="Consolas" panose="020B0609020204030204" pitchFamily="49" charset="0"/>
+              </a:rPr>
+              <a:t>print</a:t>
+            </a:r>
+            <a:r>
+              <a:rPr lang="en-US" altLang="en-US" sz="800" dirty="0">
+                <a:solidFill>
+                  <a:srgbClr val="273239"/>
+                </a:solidFill>
+                <a:latin typeface="Consolas" panose="020B0609020204030204" pitchFamily="49" charset="0"/>
+              </a:rPr>
+              <a:t> </a:t>
+            </a:r>
+            <a:r>
+              <a:rPr lang="en-US" altLang="en-US" dirty="0">
+                <a:latin typeface="Consolas" panose="020B0609020204030204" pitchFamily="49" charset="0"/>
+              </a:rPr>
+              <a:t>(</a:t>
+            </a:r>
+            <a:r>
+              <a:rPr lang="en-US" altLang="en-US" dirty="0">
+                <a:solidFill>
+                  <a:srgbClr val="0000FF"/>
+                </a:solidFill>
+                <a:latin typeface="Consolas" panose="020B0609020204030204" pitchFamily="49" charset="0"/>
+              </a:rPr>
+              <a:t>"Along first axis : \n"</a:t>
+            </a:r>
+            <a:r>
+              <a:rPr lang="en-US" altLang="en-US" dirty="0">
+                <a:latin typeface="Consolas" panose="020B0609020204030204" pitchFamily="49" charset="0"/>
+              </a:rPr>
+              <a:t>, arr1)     </a:t>
+            </a:r>
+            <a:endParaRPr lang="en-US" altLang="en-US" sz="800" dirty="0">
+              <a:solidFill>
+                <a:schemeClr val="tx1"/>
+              </a:solidFill>
+            </a:endParaRPr>
+          </a:p>
+          <a:p>
+            <a:pPr lvl="0" eaLnBrk="0" fontAlgn="base" hangingPunct="0">
+              <a:spcBef>
+                <a:spcPct val="0"/>
+              </a:spcBef>
+              <a:spcAft>
+                <a:spcPct val="0"/>
+              </a:spcAft>
+              <a:buClrTx/>
+            </a:pPr>
+            <a:r>
+              <a:rPr lang="en-US" altLang="en-US" dirty="0">
+                <a:solidFill>
+                  <a:srgbClr val="273239"/>
+                </a:solidFill>
+                <a:latin typeface="Consolas" panose="020B0609020204030204" pitchFamily="49" charset="0"/>
+              </a:rPr>
+              <a:t> </a:t>
+            </a:r>
+            <a:r>
+              <a:rPr lang="en-US" altLang="en-US" sz="800" dirty="0">
+                <a:solidFill>
+                  <a:srgbClr val="273239"/>
+                </a:solidFill>
+                <a:latin typeface="Consolas" panose="020B0609020204030204" pitchFamily="49" charset="0"/>
+              </a:rPr>
+              <a:t> </a:t>
+            </a:r>
+            <a:endParaRPr lang="en-US" altLang="en-US" sz="2400" dirty="0">
+              <a:solidFill>
+                <a:schemeClr val="tx1"/>
+              </a:solidFill>
+            </a:endParaRPr>
+          </a:p>
+          <a:p>
+            <a:pPr lvl="0" eaLnBrk="0" fontAlgn="base" hangingPunct="0">
+              <a:spcBef>
+                <a:spcPct val="0"/>
+              </a:spcBef>
+              <a:spcAft>
+                <a:spcPct val="0"/>
+              </a:spcAft>
+              <a:buClrTx/>
+            </a:pPr>
+            <a:r>
+              <a:rPr lang="en-US" altLang="en-US" dirty="0">
+                <a:solidFill>
+                  <a:srgbClr val="008200"/>
+                </a:solidFill>
+                <a:latin typeface="Consolas" panose="020B0609020204030204" pitchFamily="49" charset="0"/>
+              </a:rPr>
+              <a:t># sort along the last axis </a:t>
+            </a:r>
+            <a:endParaRPr lang="en-US" altLang="en-US" sz="800" dirty="0">
+              <a:solidFill>
+                <a:schemeClr val="tx1"/>
+              </a:solidFill>
+            </a:endParaRPr>
+          </a:p>
+          <a:p>
+            <a:pPr lvl="0" eaLnBrk="0" fontAlgn="base" hangingPunct="0">
+              <a:spcBef>
+                <a:spcPct val="0"/>
+              </a:spcBef>
+              <a:spcAft>
+                <a:spcPct val="0"/>
+              </a:spcAft>
+              <a:buClrTx/>
+            </a:pPr>
+            <a:r>
+              <a:rPr lang="en-US" altLang="en-US" dirty="0">
+                <a:latin typeface="Consolas" panose="020B0609020204030204" pitchFamily="49" charset="0"/>
+              </a:rPr>
+              <a:t>a </a:t>
+            </a:r>
+            <a:r>
+              <a:rPr lang="en-US" altLang="en-US" b="1" dirty="0">
+                <a:solidFill>
+                  <a:srgbClr val="006699"/>
+                </a:solidFill>
+                <a:latin typeface="Consolas" panose="020B0609020204030204" pitchFamily="49" charset="0"/>
+              </a:rPr>
+              <a:t>=</a:t>
+            </a:r>
+            <a:r>
+              <a:rPr lang="en-US" altLang="en-US" sz="800" dirty="0">
+                <a:solidFill>
+                  <a:srgbClr val="273239"/>
+                </a:solidFill>
+                <a:latin typeface="Consolas" panose="020B0609020204030204" pitchFamily="49" charset="0"/>
+              </a:rPr>
+              <a:t> </a:t>
+            </a:r>
+            <a:r>
+              <a:rPr lang="en-US" altLang="en-US" dirty="0" err="1">
+                <a:latin typeface="Consolas" panose="020B0609020204030204" pitchFamily="49" charset="0"/>
+              </a:rPr>
+              <a:t>np.array</a:t>
+            </a:r>
+            <a:r>
+              <a:rPr lang="en-US" altLang="en-US" dirty="0">
+                <a:latin typeface="Consolas" panose="020B0609020204030204" pitchFamily="49" charset="0"/>
+              </a:rPr>
+              <a:t>([[</a:t>
+            </a:r>
+            <a:r>
+              <a:rPr lang="en-US" altLang="en-US" dirty="0">
+                <a:solidFill>
+                  <a:srgbClr val="009900"/>
+                </a:solidFill>
+                <a:latin typeface="Consolas" panose="020B0609020204030204" pitchFamily="49" charset="0"/>
+              </a:rPr>
+              <a:t>10</a:t>
+            </a:r>
+            <a:r>
+              <a:rPr lang="en-US" altLang="en-US" dirty="0">
+                <a:latin typeface="Consolas" panose="020B0609020204030204" pitchFamily="49" charset="0"/>
+              </a:rPr>
+              <a:t>, </a:t>
+            </a:r>
+            <a:r>
+              <a:rPr lang="en-US" altLang="en-US" dirty="0">
+                <a:solidFill>
+                  <a:srgbClr val="009900"/>
+                </a:solidFill>
+                <a:latin typeface="Consolas" panose="020B0609020204030204" pitchFamily="49" charset="0"/>
+              </a:rPr>
+              <a:t>15</a:t>
+            </a:r>
+            <a:r>
+              <a:rPr lang="en-US" altLang="en-US" dirty="0">
+                <a:latin typeface="Consolas" panose="020B0609020204030204" pitchFamily="49" charset="0"/>
+              </a:rPr>
+              <a:t>], [</a:t>
+            </a:r>
+            <a:r>
+              <a:rPr lang="en-US" altLang="en-US" dirty="0">
+                <a:solidFill>
+                  <a:srgbClr val="009900"/>
+                </a:solidFill>
+                <a:latin typeface="Consolas" panose="020B0609020204030204" pitchFamily="49" charset="0"/>
+              </a:rPr>
+              <a:t>12</a:t>
+            </a:r>
+            <a:r>
+              <a:rPr lang="en-US" altLang="en-US" dirty="0">
+                <a:latin typeface="Consolas" panose="020B0609020204030204" pitchFamily="49" charset="0"/>
+              </a:rPr>
+              <a:t>, </a:t>
+            </a:r>
+            <a:r>
+              <a:rPr lang="en-US" altLang="en-US" dirty="0">
+                <a:solidFill>
+                  <a:srgbClr val="009900"/>
+                </a:solidFill>
+                <a:latin typeface="Consolas" panose="020B0609020204030204" pitchFamily="49" charset="0"/>
+              </a:rPr>
+              <a:t>1</a:t>
+            </a:r>
+            <a:r>
+              <a:rPr lang="en-US" altLang="en-US" dirty="0">
+                <a:latin typeface="Consolas" panose="020B0609020204030204" pitchFamily="49" charset="0"/>
+              </a:rPr>
+              <a:t>]]) </a:t>
+            </a:r>
+            <a:endParaRPr lang="en-US" altLang="en-US" sz="800" dirty="0">
+              <a:solidFill>
+                <a:schemeClr val="tx1"/>
+              </a:solidFill>
+            </a:endParaRPr>
+          </a:p>
+          <a:p>
+            <a:pPr lvl="0" eaLnBrk="0" fontAlgn="base" hangingPunct="0">
+              <a:spcBef>
+                <a:spcPct val="0"/>
+              </a:spcBef>
+              <a:spcAft>
+                <a:spcPct val="0"/>
+              </a:spcAft>
+              <a:buClrTx/>
+            </a:pPr>
+            <a:r>
+              <a:rPr lang="en-US" altLang="en-US" dirty="0">
+                <a:latin typeface="Consolas" panose="020B0609020204030204" pitchFamily="49" charset="0"/>
+              </a:rPr>
+              <a:t>arr2 </a:t>
+            </a:r>
+            <a:r>
+              <a:rPr lang="en-US" altLang="en-US" b="1" dirty="0">
+                <a:solidFill>
+                  <a:srgbClr val="006699"/>
+                </a:solidFill>
+                <a:latin typeface="Consolas" panose="020B0609020204030204" pitchFamily="49" charset="0"/>
+              </a:rPr>
+              <a:t>=</a:t>
+            </a:r>
+            <a:r>
+              <a:rPr lang="en-US" altLang="en-US" sz="800" dirty="0">
+                <a:solidFill>
+                  <a:srgbClr val="273239"/>
+                </a:solidFill>
+                <a:latin typeface="Consolas" panose="020B0609020204030204" pitchFamily="49" charset="0"/>
+              </a:rPr>
+              <a:t> </a:t>
+            </a:r>
+            <a:r>
+              <a:rPr lang="en-US" altLang="en-US" dirty="0" err="1">
+                <a:latin typeface="Consolas" panose="020B0609020204030204" pitchFamily="49" charset="0"/>
+              </a:rPr>
+              <a:t>np.sort</a:t>
+            </a:r>
+            <a:r>
+              <a:rPr lang="en-US" altLang="en-US" dirty="0">
+                <a:latin typeface="Consolas" panose="020B0609020204030204" pitchFamily="49" charset="0"/>
+              </a:rPr>
+              <a:t>(a, axis </a:t>
+            </a:r>
+            <a:r>
+              <a:rPr lang="en-US" altLang="en-US" b="1" dirty="0">
+                <a:solidFill>
+                  <a:srgbClr val="006699"/>
+                </a:solidFill>
+                <a:latin typeface="Consolas" panose="020B0609020204030204" pitchFamily="49" charset="0"/>
+              </a:rPr>
+              <a:t>=</a:t>
+            </a:r>
+            <a:r>
+              <a:rPr lang="en-US" altLang="en-US" sz="800" dirty="0">
+                <a:solidFill>
+                  <a:srgbClr val="273239"/>
+                </a:solidFill>
+                <a:latin typeface="Consolas" panose="020B0609020204030204" pitchFamily="49" charset="0"/>
+              </a:rPr>
+              <a:t> </a:t>
+            </a:r>
+            <a:r>
+              <a:rPr lang="en-US" altLang="en-US" b="1" dirty="0">
+                <a:solidFill>
+                  <a:srgbClr val="006699"/>
+                </a:solidFill>
+                <a:latin typeface="Consolas" panose="020B0609020204030204" pitchFamily="49" charset="0"/>
+              </a:rPr>
+              <a:t>-</a:t>
+            </a:r>
+            <a:r>
+              <a:rPr lang="en-US" altLang="en-US" dirty="0">
+                <a:solidFill>
+                  <a:srgbClr val="009900"/>
+                </a:solidFill>
+                <a:latin typeface="Consolas" panose="020B0609020204030204" pitchFamily="49" charset="0"/>
+              </a:rPr>
+              <a:t>1</a:t>
+            </a:r>
+            <a:r>
+              <a:rPr lang="en-US" altLang="en-US" dirty="0">
+                <a:latin typeface="Consolas" panose="020B0609020204030204" pitchFamily="49" charset="0"/>
+              </a:rPr>
+              <a:t>)     </a:t>
+            </a:r>
+            <a:endParaRPr lang="en-US" altLang="en-US" sz="800" dirty="0">
+              <a:solidFill>
+                <a:schemeClr val="tx1"/>
+              </a:solidFill>
+            </a:endParaRPr>
+          </a:p>
+          <a:p>
+            <a:pPr lvl="0" eaLnBrk="0" fontAlgn="base" hangingPunct="0">
+              <a:spcBef>
+                <a:spcPct val="0"/>
+              </a:spcBef>
+              <a:spcAft>
+                <a:spcPct val="0"/>
+              </a:spcAft>
+              <a:buClrTx/>
+            </a:pPr>
+            <a:r>
+              <a:rPr lang="en-US" altLang="en-US" b="1" dirty="0">
+                <a:solidFill>
+                  <a:srgbClr val="006699"/>
+                </a:solidFill>
+                <a:latin typeface="Consolas" panose="020B0609020204030204" pitchFamily="49" charset="0"/>
+              </a:rPr>
+              <a:t>print</a:t>
+            </a:r>
+            <a:r>
+              <a:rPr lang="en-US" altLang="en-US" sz="800" dirty="0">
+                <a:solidFill>
+                  <a:srgbClr val="273239"/>
+                </a:solidFill>
+                <a:latin typeface="Consolas" panose="020B0609020204030204" pitchFamily="49" charset="0"/>
+              </a:rPr>
+              <a:t> </a:t>
+            </a:r>
+            <a:r>
+              <a:rPr lang="en-US" altLang="en-US" dirty="0">
+                <a:latin typeface="Consolas" panose="020B0609020204030204" pitchFamily="49" charset="0"/>
+              </a:rPr>
+              <a:t>(</a:t>
+            </a:r>
+            <a:r>
+              <a:rPr lang="en-US" altLang="en-US" dirty="0">
+                <a:solidFill>
+                  <a:srgbClr val="0000FF"/>
+                </a:solidFill>
+                <a:latin typeface="Consolas" panose="020B0609020204030204" pitchFamily="49" charset="0"/>
+              </a:rPr>
+              <a:t>"\</a:t>
+            </a:r>
+            <a:r>
+              <a:rPr lang="en-US" altLang="en-US" dirty="0" err="1">
+                <a:solidFill>
+                  <a:srgbClr val="0000FF"/>
+                </a:solidFill>
+                <a:latin typeface="Consolas" panose="020B0609020204030204" pitchFamily="49" charset="0"/>
+              </a:rPr>
+              <a:t>nAlong</a:t>
+            </a:r>
+            <a:r>
+              <a:rPr lang="en-US" altLang="en-US" dirty="0">
+                <a:solidFill>
+                  <a:srgbClr val="0000FF"/>
+                </a:solidFill>
+                <a:latin typeface="Consolas" panose="020B0609020204030204" pitchFamily="49" charset="0"/>
+              </a:rPr>
+              <a:t> Last axis : \n"</a:t>
+            </a:r>
+            <a:r>
+              <a:rPr lang="en-US" altLang="en-US" dirty="0">
+                <a:latin typeface="Consolas" panose="020B0609020204030204" pitchFamily="49" charset="0"/>
+              </a:rPr>
+              <a:t>, arr2) </a:t>
+            </a:r>
+            <a:endParaRPr lang="en-US" altLang="en-US" sz="800" dirty="0">
+              <a:solidFill>
+                <a:schemeClr val="tx1"/>
+              </a:solidFill>
+            </a:endParaRPr>
+          </a:p>
+          <a:p>
+            <a:pPr lvl="0" eaLnBrk="0" fontAlgn="base" hangingPunct="0">
+              <a:spcBef>
+                <a:spcPct val="0"/>
+              </a:spcBef>
+              <a:spcAft>
+                <a:spcPct val="0"/>
+              </a:spcAft>
+              <a:buClrTx/>
+            </a:pPr>
+            <a:r>
+              <a:rPr lang="en-US" altLang="en-US" dirty="0">
+                <a:solidFill>
+                  <a:srgbClr val="273239"/>
+                </a:solidFill>
+                <a:latin typeface="Consolas" panose="020B0609020204030204" pitchFamily="49" charset="0"/>
+              </a:rPr>
+              <a:t> </a:t>
+            </a:r>
+            <a:r>
+              <a:rPr lang="en-US" altLang="en-US" sz="800" dirty="0">
+                <a:solidFill>
+                  <a:srgbClr val="273239"/>
+                </a:solidFill>
+                <a:latin typeface="Consolas" panose="020B0609020204030204" pitchFamily="49" charset="0"/>
+              </a:rPr>
+              <a:t> </a:t>
+            </a:r>
+            <a:endParaRPr lang="en-US" altLang="en-US" sz="2400" dirty="0">
+              <a:solidFill>
+                <a:schemeClr val="tx1"/>
+              </a:solidFill>
+            </a:endParaRPr>
+          </a:p>
+          <a:p>
+            <a:pPr lvl="0" eaLnBrk="0" fontAlgn="base" hangingPunct="0">
+              <a:spcBef>
+                <a:spcPct val="0"/>
+              </a:spcBef>
+              <a:spcAft>
+                <a:spcPct val="0"/>
+              </a:spcAft>
+              <a:buClrTx/>
+            </a:pPr>
+            <a:r>
+              <a:rPr lang="en-US" altLang="en-US" dirty="0">
+                <a:latin typeface="Consolas" panose="020B0609020204030204" pitchFamily="49" charset="0"/>
+              </a:rPr>
+              <a:t>a </a:t>
+            </a:r>
+            <a:r>
+              <a:rPr lang="en-US" altLang="en-US" b="1" dirty="0">
+                <a:solidFill>
+                  <a:srgbClr val="006699"/>
+                </a:solidFill>
+                <a:latin typeface="Consolas" panose="020B0609020204030204" pitchFamily="49" charset="0"/>
+              </a:rPr>
+              <a:t>=</a:t>
+            </a:r>
+            <a:r>
+              <a:rPr lang="en-US" altLang="en-US" sz="800" dirty="0">
+                <a:solidFill>
+                  <a:srgbClr val="273239"/>
+                </a:solidFill>
+                <a:latin typeface="Consolas" panose="020B0609020204030204" pitchFamily="49" charset="0"/>
+              </a:rPr>
+              <a:t> </a:t>
+            </a:r>
+            <a:r>
+              <a:rPr lang="en-US" altLang="en-US" dirty="0" err="1">
+                <a:latin typeface="Consolas" panose="020B0609020204030204" pitchFamily="49" charset="0"/>
+              </a:rPr>
+              <a:t>np.array</a:t>
+            </a:r>
+            <a:r>
+              <a:rPr lang="en-US" altLang="en-US" dirty="0">
+                <a:latin typeface="Consolas" panose="020B0609020204030204" pitchFamily="49" charset="0"/>
+              </a:rPr>
+              <a:t>([[</a:t>
+            </a:r>
+            <a:r>
+              <a:rPr lang="en-US" altLang="en-US" dirty="0">
+                <a:solidFill>
+                  <a:srgbClr val="009900"/>
+                </a:solidFill>
+                <a:latin typeface="Consolas" panose="020B0609020204030204" pitchFamily="49" charset="0"/>
+              </a:rPr>
+              <a:t>12</a:t>
+            </a:r>
+            <a:r>
+              <a:rPr lang="en-US" altLang="en-US" dirty="0">
+                <a:latin typeface="Consolas" panose="020B0609020204030204" pitchFamily="49" charset="0"/>
+              </a:rPr>
+              <a:t>, </a:t>
+            </a:r>
+            <a:r>
+              <a:rPr lang="en-US" altLang="en-US" dirty="0">
+                <a:solidFill>
+                  <a:srgbClr val="009900"/>
+                </a:solidFill>
+                <a:latin typeface="Consolas" panose="020B0609020204030204" pitchFamily="49" charset="0"/>
+              </a:rPr>
+              <a:t>15</a:t>
+            </a:r>
+            <a:r>
+              <a:rPr lang="en-US" altLang="en-US" dirty="0">
+                <a:latin typeface="Consolas" panose="020B0609020204030204" pitchFamily="49" charset="0"/>
+              </a:rPr>
+              <a:t>], [</a:t>
+            </a:r>
+            <a:r>
+              <a:rPr lang="en-US" altLang="en-US" dirty="0">
+                <a:solidFill>
+                  <a:srgbClr val="009900"/>
+                </a:solidFill>
+                <a:latin typeface="Consolas" panose="020B0609020204030204" pitchFamily="49" charset="0"/>
+              </a:rPr>
+              <a:t>10</a:t>
+            </a:r>
+            <a:r>
+              <a:rPr lang="en-US" altLang="en-US" dirty="0">
+                <a:latin typeface="Consolas" panose="020B0609020204030204" pitchFamily="49" charset="0"/>
+              </a:rPr>
+              <a:t>, </a:t>
+            </a:r>
+            <a:r>
+              <a:rPr lang="en-US" altLang="en-US" dirty="0">
+                <a:solidFill>
+                  <a:srgbClr val="009900"/>
+                </a:solidFill>
+                <a:latin typeface="Consolas" panose="020B0609020204030204" pitchFamily="49" charset="0"/>
+              </a:rPr>
+              <a:t>1</a:t>
+            </a:r>
+            <a:r>
+              <a:rPr lang="en-US" altLang="en-US" dirty="0">
+                <a:latin typeface="Consolas" panose="020B0609020204030204" pitchFamily="49" charset="0"/>
+              </a:rPr>
+              <a:t>]]) </a:t>
+            </a:r>
+            <a:endParaRPr lang="en-US" altLang="en-US" sz="800" dirty="0">
+              <a:solidFill>
+                <a:schemeClr val="tx1"/>
+              </a:solidFill>
+            </a:endParaRPr>
+          </a:p>
+          <a:p>
+            <a:pPr lvl="0" eaLnBrk="0" fontAlgn="base" hangingPunct="0">
+              <a:spcBef>
+                <a:spcPct val="0"/>
+              </a:spcBef>
+              <a:spcAft>
+                <a:spcPct val="0"/>
+              </a:spcAft>
+              <a:buClrTx/>
+            </a:pPr>
+            <a:r>
+              <a:rPr lang="en-US" altLang="en-US" dirty="0">
+                <a:latin typeface="Consolas" panose="020B0609020204030204" pitchFamily="49" charset="0"/>
+              </a:rPr>
+              <a:t>arr1 </a:t>
+            </a:r>
+            <a:r>
+              <a:rPr lang="en-US" altLang="en-US" b="1" dirty="0">
+                <a:solidFill>
+                  <a:srgbClr val="006699"/>
+                </a:solidFill>
+                <a:latin typeface="Consolas" panose="020B0609020204030204" pitchFamily="49" charset="0"/>
+              </a:rPr>
+              <a:t>=</a:t>
+            </a:r>
+            <a:r>
+              <a:rPr lang="en-US" altLang="en-US" sz="800" dirty="0">
+                <a:solidFill>
+                  <a:srgbClr val="273239"/>
+                </a:solidFill>
+                <a:latin typeface="Consolas" panose="020B0609020204030204" pitchFamily="49" charset="0"/>
+              </a:rPr>
+              <a:t> </a:t>
+            </a:r>
+            <a:r>
+              <a:rPr lang="en-US" altLang="en-US" dirty="0" err="1">
+                <a:latin typeface="Consolas" panose="020B0609020204030204" pitchFamily="49" charset="0"/>
+              </a:rPr>
+              <a:t>np.sort</a:t>
+            </a:r>
+            <a:r>
+              <a:rPr lang="en-US" altLang="en-US" dirty="0">
+                <a:latin typeface="Consolas" panose="020B0609020204030204" pitchFamily="49" charset="0"/>
+              </a:rPr>
+              <a:t>(a, axis </a:t>
+            </a:r>
+            <a:r>
+              <a:rPr lang="en-US" altLang="en-US" b="1" dirty="0">
+                <a:solidFill>
+                  <a:srgbClr val="006699"/>
+                </a:solidFill>
+                <a:latin typeface="Consolas" panose="020B0609020204030204" pitchFamily="49" charset="0"/>
+              </a:rPr>
+              <a:t>=</a:t>
+            </a:r>
+            <a:r>
+              <a:rPr lang="en-US" altLang="en-US" sz="800" dirty="0">
+                <a:solidFill>
+                  <a:srgbClr val="273239"/>
+                </a:solidFill>
+                <a:latin typeface="Consolas" panose="020B0609020204030204" pitchFamily="49" charset="0"/>
+              </a:rPr>
+              <a:t> </a:t>
+            </a:r>
+            <a:r>
+              <a:rPr lang="en-US" altLang="en-US" dirty="0">
+                <a:solidFill>
+                  <a:srgbClr val="808080"/>
+                </a:solidFill>
+                <a:latin typeface="Consolas" panose="020B0609020204030204" pitchFamily="49" charset="0"/>
+              </a:rPr>
+              <a:t>None</a:t>
+            </a:r>
+            <a:r>
+              <a:rPr lang="en-US" altLang="en-US" dirty="0">
+                <a:latin typeface="Consolas" panose="020B0609020204030204" pitchFamily="49" charset="0"/>
+              </a:rPr>
+              <a:t>)     </a:t>
+            </a:r>
+            <a:endParaRPr lang="en-US" altLang="en-US" sz="800" dirty="0">
+              <a:solidFill>
+                <a:schemeClr val="tx1"/>
+              </a:solidFill>
+            </a:endParaRPr>
+          </a:p>
+          <a:p>
+            <a:pPr lvl="0" eaLnBrk="0" fontAlgn="base" hangingPunct="0">
+              <a:spcBef>
+                <a:spcPct val="0"/>
+              </a:spcBef>
+              <a:spcAft>
+                <a:spcPct val="0"/>
+              </a:spcAft>
+              <a:buClrTx/>
+            </a:pPr>
+            <a:r>
+              <a:rPr lang="en-US" altLang="en-US" dirty="0">
+                <a:solidFill>
+                  <a:srgbClr val="FF1493"/>
+                </a:solidFill>
+                <a:latin typeface="Consolas" panose="020B0609020204030204" pitchFamily="49" charset="0"/>
+              </a:rPr>
+              <a:t>print</a:t>
+            </a:r>
+            <a:r>
+              <a:rPr lang="en-US" altLang="en-US" sz="800" dirty="0">
+                <a:solidFill>
+                  <a:srgbClr val="273239"/>
+                </a:solidFill>
+                <a:latin typeface="Consolas" panose="020B0609020204030204" pitchFamily="49" charset="0"/>
+              </a:rPr>
+              <a:t> </a:t>
+            </a:r>
+            <a:r>
+              <a:rPr lang="en-US" altLang="en-US" dirty="0">
+                <a:latin typeface="Consolas" panose="020B0609020204030204" pitchFamily="49" charset="0"/>
+              </a:rPr>
+              <a:t>(</a:t>
+            </a:r>
+            <a:r>
+              <a:rPr lang="en-US" altLang="en-US" dirty="0">
+                <a:solidFill>
+                  <a:srgbClr val="0000FF"/>
+                </a:solidFill>
+                <a:latin typeface="Consolas" panose="020B0609020204030204" pitchFamily="49" charset="0"/>
+              </a:rPr>
+              <a:t>"\</a:t>
+            </a:r>
+            <a:r>
+              <a:rPr lang="en-US" altLang="en-US" dirty="0" err="1">
+                <a:solidFill>
+                  <a:srgbClr val="0000FF"/>
+                </a:solidFill>
+                <a:latin typeface="Consolas" panose="020B0609020204030204" pitchFamily="49" charset="0"/>
+              </a:rPr>
+              <a:t>nAlong</a:t>
+            </a:r>
+            <a:r>
+              <a:rPr lang="en-US" altLang="en-US" dirty="0">
+                <a:solidFill>
+                  <a:srgbClr val="0000FF"/>
+                </a:solidFill>
+                <a:latin typeface="Consolas" panose="020B0609020204030204" pitchFamily="49" charset="0"/>
+              </a:rPr>
+              <a:t> none axis : \n"</a:t>
+            </a:r>
+            <a:r>
+              <a:rPr lang="en-US" altLang="en-US" dirty="0">
+                <a:latin typeface="Consolas" panose="020B0609020204030204" pitchFamily="49" charset="0"/>
+              </a:rPr>
+              <a:t>, arr1</a:t>
+            </a:r>
+            <a:r>
+              <a:rPr lang="en-US" altLang="en-US" dirty="0" smtClean="0">
+                <a:latin typeface="Consolas" panose="020B0609020204030204" pitchFamily="49" charset="0"/>
+              </a:rPr>
+              <a:t>)</a:t>
+            </a:r>
+            <a:endParaRPr lang="en-US" b="1" dirty="0"/>
+          </a:p>
+        </p:txBody>
+      </p:sp>
+    </p:spTree>
+    <p:extLst>
+      <p:ext uri="{BB962C8B-B14F-4D97-AF65-F5344CB8AC3E}">
+        <p14:creationId xmlns:p14="http://schemas.microsoft.com/office/powerpoint/2010/main" val="3016513384"/>
+      </p:ext>
+    </p:extLst>
+  </p:cSld>
+  <p:clrMapOvr>
+    <a:masterClrMapping/>
+  </p:clrMapOvr>
+  <p:timing>
+    <p:tnLst>
+      <p:par>
+        <p:cTn id="1" dur="indefinite" restart="never" nodeType="tmRoot"/>
+      </p:par>
+    </p:tnLst>
+  </p:timing>
+</p:sld>
+</file>
+
+<file path=ppt/slides/slide7.xml><?xml version="1.0" encoding="utf-8"?>
+<p:sld xmlns:a="http://schemas.openxmlformats.org/drawingml/2006/main" xmlns:r="http://schemas.openxmlformats.org/officeDocument/2006/relationships" xmlns:p="http://schemas.openxmlformats.org/presentationml/2006/main">
+  <p:cSld>
+    <p:bg>
+      <p:bgPr>
+        <a:noFill/>
+        <a:effectLst/>
+      </p:bgPr>
+    </p:bg>
+    <p:spTree>
+      <p:nvGrpSpPr>
+        <p:cNvPr id="1" name="Shape 102"/>
+        <p:cNvGrpSpPr/>
+        <p:nvPr/>
+      </p:nvGrpSpPr>
+      <p:grpSpPr>
+        <a:xfrm>
+          <a:off x="0" y="0"/>
+          <a:ext cx="0" cy="0"/>
+          <a:chOff x="0" y="0"/>
+          <a:chExt cx="0" cy="0"/>
+        </a:xfrm>
+      </p:grpSpPr>
+      <p:sp>
+        <p:nvSpPr>
+          <p:cNvPr id="103" name="Google Shape;103;p16"/>
+          <p:cNvSpPr txBox="1">
+            <a:spLocks noGrp="1"/>
+          </p:cNvSpPr>
+          <p:nvPr>
+            <p:ph type="title"/>
+          </p:nvPr>
+        </p:nvSpPr>
+        <p:spPr>
+          <a:xfrm>
+            <a:off x="0" y="3650"/>
+            <a:ext cx="9144000" cy="384640"/>
+          </a:xfrm>
+          <a:prstGeom prst="rect">
+            <a:avLst/>
+          </a:prstGeom>
+        </p:spPr>
+        <p:txBody>
+          <a:bodyPr spcFirstLastPara="1" wrap="square" lIns="91425" tIns="91425" rIns="91425" bIns="91425" anchor="t" anchorCtr="0">
+            <a:noAutofit/>
+          </a:bodyPr>
+          <a:lstStyle/>
+          <a:p>
+            <a:pPr algn="ctr"/>
+            <a:r>
+              <a:rPr lang="en-US" sz="2200" b="1" dirty="0" smtClean="0"/>
+              <a:t>NUMPY [NUMERICAL PYTHON]</a:t>
+            </a:r>
+            <a:endParaRPr lang="en-US" sz="2200" b="1" dirty="0"/>
+          </a:p>
+        </p:txBody>
+      </p:sp>
+      <p:sp>
+        <p:nvSpPr>
+          <p:cNvPr id="3" name="Rectangle 2"/>
+          <p:cNvSpPr/>
+          <p:nvPr/>
+        </p:nvSpPr>
+        <p:spPr>
+          <a:xfrm>
+            <a:off x="224073" y="305163"/>
+            <a:ext cx="8089641" cy="4662815"/>
+          </a:xfrm>
+          <a:prstGeom prst="rect">
+            <a:avLst/>
+          </a:prstGeom>
+        </p:spPr>
+        <p:txBody>
+          <a:bodyPr wrap="square">
+            <a:spAutoFit/>
+          </a:bodyPr>
+          <a:lstStyle/>
+          <a:p>
+            <a:pPr fontAlgn="base"/>
+            <a:r>
+              <a:rPr lang="en-US" sz="1100" b="1" u="sng" dirty="0"/>
+              <a:t>Appending Elements to </a:t>
+            </a:r>
+            <a:r>
+              <a:rPr lang="en-US" sz="1100" b="1" u="sng" dirty="0" smtClean="0"/>
+              <a:t>Array</a:t>
+            </a:r>
+          </a:p>
+          <a:p>
+            <a:pPr fontAlgn="base"/>
+            <a:r>
+              <a:rPr lang="en-US" altLang="en-US" sz="1100" dirty="0" err="1" smtClean="0">
+                <a:latin typeface="Consolas" panose="020B0609020204030204" pitchFamily="49" charset="0"/>
+              </a:rPr>
+              <a:t>arr</a:t>
+            </a:r>
+            <a:r>
+              <a:rPr lang="en-US" altLang="en-US" sz="1100" dirty="0" smtClean="0">
+                <a:latin typeface="Consolas" panose="020B0609020204030204" pitchFamily="49" charset="0"/>
+              </a:rPr>
+              <a:t> </a:t>
+            </a:r>
+            <a:r>
+              <a:rPr lang="en-US" altLang="en-US" sz="1100" b="1" dirty="0">
+                <a:solidFill>
+                  <a:srgbClr val="006699"/>
+                </a:solidFill>
+                <a:latin typeface="Consolas" panose="020B0609020204030204" pitchFamily="49" charset="0"/>
+              </a:rPr>
+              <a:t>=</a:t>
+            </a:r>
+            <a:r>
+              <a:rPr lang="en-US" altLang="en-US" sz="1100" dirty="0">
+                <a:solidFill>
+                  <a:srgbClr val="273239"/>
+                </a:solidFill>
+                <a:latin typeface="Consolas" panose="020B0609020204030204" pitchFamily="49" charset="0"/>
+              </a:rPr>
+              <a:t> </a:t>
+            </a:r>
+            <a:r>
+              <a:rPr lang="en-US" altLang="en-US" sz="1100" dirty="0" err="1">
+                <a:latin typeface="Consolas" panose="020B0609020204030204" pitchFamily="49" charset="0"/>
+              </a:rPr>
+              <a:t>np.append</a:t>
+            </a:r>
+            <a:r>
+              <a:rPr lang="en-US" altLang="en-US" sz="1100" dirty="0">
+                <a:latin typeface="Consolas" panose="020B0609020204030204" pitchFamily="49" charset="0"/>
+              </a:rPr>
+              <a:t>(</a:t>
+            </a:r>
+            <a:r>
+              <a:rPr lang="en-US" altLang="en-US" sz="1100" dirty="0" err="1">
+                <a:latin typeface="Consolas" panose="020B0609020204030204" pitchFamily="49" charset="0"/>
+              </a:rPr>
+              <a:t>arr</a:t>
+            </a:r>
+            <a:r>
+              <a:rPr lang="en-US" altLang="en-US" sz="1100" dirty="0">
+                <a:latin typeface="Consolas" panose="020B0609020204030204" pitchFamily="49" charset="0"/>
+              </a:rPr>
+              <a:t>, [</a:t>
+            </a:r>
+            <a:r>
+              <a:rPr lang="en-US" altLang="en-US" sz="1100" dirty="0">
+                <a:solidFill>
+                  <a:srgbClr val="009900"/>
+                </a:solidFill>
+                <a:latin typeface="Consolas" panose="020B0609020204030204" pitchFamily="49" charset="0"/>
+              </a:rPr>
+              <a:t>7</a:t>
+            </a:r>
+            <a:r>
+              <a:rPr lang="en-US" altLang="en-US" sz="1100" dirty="0">
+                <a:latin typeface="Consolas" panose="020B0609020204030204" pitchFamily="49" charset="0"/>
+              </a:rPr>
+              <a:t>]) </a:t>
+            </a:r>
+            <a:endParaRPr lang="en-US" altLang="en-US" sz="1100" dirty="0" smtClean="0">
+              <a:latin typeface="Consolas" panose="020B0609020204030204" pitchFamily="49" charset="0"/>
+            </a:endParaRPr>
+          </a:p>
+          <a:p>
+            <a:pPr fontAlgn="base"/>
+            <a:endParaRPr lang="en-US" altLang="en-US" sz="1100" dirty="0">
+              <a:solidFill>
+                <a:schemeClr val="tx1"/>
+              </a:solidFill>
+              <a:latin typeface="Consolas" panose="020B0609020204030204" pitchFamily="49" charset="0"/>
+            </a:endParaRPr>
+          </a:p>
+          <a:p>
+            <a:pPr fontAlgn="base"/>
+            <a:r>
+              <a:rPr lang="en-US" sz="1100" b="1" u="sng" dirty="0"/>
+              <a:t>Reshaping Array</a:t>
+            </a:r>
+          </a:p>
+          <a:p>
+            <a:pPr fontAlgn="base"/>
+            <a:r>
+              <a:rPr lang="en-US" sz="1100" dirty="0" err="1"/>
+              <a:t>NumPy</a:t>
+            </a:r>
+            <a:r>
+              <a:rPr lang="en-US" sz="1100" dirty="0"/>
+              <a:t> arrays can be reshaped, which means they can be converted from one dimension array to an N-dimension array and vice-versa using the reshape() method. The reshape() function does not change the original array</a:t>
+            </a:r>
+            <a:r>
+              <a:rPr lang="en-US" sz="1100" dirty="0" smtClean="0"/>
+              <a:t>.</a:t>
+            </a:r>
+          </a:p>
+          <a:p>
+            <a:pPr fontAlgn="base"/>
+            <a:endParaRPr lang="en-US" altLang="en-US" sz="1100" dirty="0" smtClean="0">
+              <a:solidFill>
+                <a:schemeClr val="tx1"/>
+              </a:solidFill>
+              <a:latin typeface="Arial" panose="020B0604020202020204" pitchFamily="34" charset="0"/>
+            </a:endParaRPr>
+          </a:p>
+          <a:p>
+            <a:pPr lvl="0" eaLnBrk="0" fontAlgn="base" hangingPunct="0">
+              <a:spcBef>
+                <a:spcPct val="0"/>
+              </a:spcBef>
+              <a:spcAft>
+                <a:spcPct val="0"/>
+              </a:spcAft>
+              <a:buClrTx/>
+            </a:pPr>
+            <a:r>
+              <a:rPr lang="en-US" altLang="en-US" sz="1100" dirty="0">
+                <a:solidFill>
+                  <a:srgbClr val="008200"/>
+                </a:solidFill>
+                <a:latin typeface="Consolas" panose="020B0609020204030204" pitchFamily="49" charset="0"/>
+              </a:rPr>
+              <a:t># creating a </a:t>
+            </a:r>
+            <a:r>
+              <a:rPr lang="en-US" altLang="en-US" sz="1100" dirty="0" err="1">
+                <a:solidFill>
+                  <a:srgbClr val="008200"/>
+                </a:solidFill>
+                <a:latin typeface="Consolas" panose="020B0609020204030204" pitchFamily="49" charset="0"/>
+              </a:rPr>
+              <a:t>numpy</a:t>
+            </a:r>
+            <a:r>
+              <a:rPr lang="en-US" altLang="en-US" sz="1100" dirty="0">
+                <a:solidFill>
+                  <a:srgbClr val="008200"/>
+                </a:solidFill>
+                <a:latin typeface="Consolas" panose="020B0609020204030204" pitchFamily="49" charset="0"/>
+              </a:rPr>
+              <a:t> array </a:t>
+            </a:r>
+            <a:endParaRPr lang="en-US" altLang="en-US" sz="1100" dirty="0">
+              <a:solidFill>
+                <a:schemeClr val="tx1"/>
+              </a:solidFill>
+            </a:endParaRPr>
+          </a:p>
+          <a:p>
+            <a:pPr lvl="0" eaLnBrk="0" fontAlgn="base" hangingPunct="0">
+              <a:spcBef>
+                <a:spcPct val="0"/>
+              </a:spcBef>
+              <a:spcAft>
+                <a:spcPct val="0"/>
+              </a:spcAft>
+              <a:buClrTx/>
+            </a:pPr>
+            <a:r>
+              <a:rPr lang="en-US" altLang="en-US" sz="1100" dirty="0">
+                <a:latin typeface="Consolas" panose="020B0609020204030204" pitchFamily="49" charset="0"/>
+              </a:rPr>
+              <a:t>array </a:t>
+            </a:r>
+            <a:r>
+              <a:rPr lang="en-US" altLang="en-US" sz="1100" b="1" dirty="0">
+                <a:solidFill>
+                  <a:srgbClr val="006699"/>
+                </a:solidFill>
+                <a:latin typeface="Consolas" panose="020B0609020204030204" pitchFamily="49" charset="0"/>
+              </a:rPr>
+              <a:t>=</a:t>
+            </a:r>
+            <a:r>
+              <a:rPr lang="en-US" altLang="en-US" sz="1100" dirty="0">
+                <a:solidFill>
+                  <a:srgbClr val="273239"/>
+                </a:solidFill>
+                <a:latin typeface="Consolas" panose="020B0609020204030204" pitchFamily="49" charset="0"/>
+              </a:rPr>
+              <a:t> </a:t>
+            </a:r>
+            <a:r>
+              <a:rPr lang="en-US" altLang="en-US" sz="1100" dirty="0" err="1">
+                <a:latin typeface="Consolas" panose="020B0609020204030204" pitchFamily="49" charset="0"/>
+              </a:rPr>
+              <a:t>np.array</a:t>
+            </a:r>
+            <a:r>
+              <a:rPr lang="en-US" altLang="en-US" sz="1100" dirty="0">
+                <a:latin typeface="Consolas" panose="020B0609020204030204" pitchFamily="49" charset="0"/>
+              </a:rPr>
+              <a:t>([</a:t>
+            </a:r>
+            <a:r>
+              <a:rPr lang="en-US" altLang="en-US" sz="1100" dirty="0">
+                <a:solidFill>
+                  <a:srgbClr val="009900"/>
+                </a:solidFill>
+                <a:latin typeface="Consolas" panose="020B0609020204030204" pitchFamily="49" charset="0"/>
+              </a:rPr>
+              <a:t>1</a:t>
+            </a:r>
+            <a:r>
+              <a:rPr lang="en-US" altLang="en-US" sz="1100" dirty="0">
+                <a:latin typeface="Consolas" panose="020B0609020204030204" pitchFamily="49" charset="0"/>
+              </a:rPr>
+              <a:t>, </a:t>
+            </a:r>
+            <a:r>
+              <a:rPr lang="en-US" altLang="en-US" sz="1100" dirty="0">
+                <a:solidFill>
+                  <a:srgbClr val="009900"/>
+                </a:solidFill>
+                <a:latin typeface="Consolas" panose="020B0609020204030204" pitchFamily="49" charset="0"/>
+              </a:rPr>
+              <a:t>2</a:t>
+            </a:r>
+            <a:r>
+              <a:rPr lang="en-US" altLang="en-US" sz="1100" dirty="0">
+                <a:latin typeface="Consolas" panose="020B0609020204030204" pitchFamily="49" charset="0"/>
+              </a:rPr>
+              <a:t>, </a:t>
+            </a:r>
+            <a:r>
+              <a:rPr lang="en-US" altLang="en-US" sz="1100" dirty="0">
+                <a:solidFill>
+                  <a:srgbClr val="009900"/>
+                </a:solidFill>
+                <a:latin typeface="Consolas" panose="020B0609020204030204" pitchFamily="49" charset="0"/>
+              </a:rPr>
+              <a:t>3</a:t>
+            </a:r>
+            <a:r>
+              <a:rPr lang="en-US" altLang="en-US" sz="1100" dirty="0">
+                <a:latin typeface="Consolas" panose="020B0609020204030204" pitchFamily="49" charset="0"/>
+              </a:rPr>
+              <a:t>, </a:t>
+            </a:r>
+            <a:r>
+              <a:rPr lang="en-US" altLang="en-US" sz="1100" dirty="0">
+                <a:solidFill>
+                  <a:srgbClr val="009900"/>
+                </a:solidFill>
+                <a:latin typeface="Consolas" panose="020B0609020204030204" pitchFamily="49" charset="0"/>
+              </a:rPr>
+              <a:t>4</a:t>
+            </a:r>
+            <a:r>
+              <a:rPr lang="en-US" altLang="en-US" sz="1100" dirty="0">
+                <a:latin typeface="Consolas" panose="020B0609020204030204" pitchFamily="49" charset="0"/>
+              </a:rPr>
+              <a:t>, </a:t>
+            </a:r>
+            <a:r>
+              <a:rPr lang="en-US" altLang="en-US" sz="1100" dirty="0">
+                <a:solidFill>
+                  <a:srgbClr val="009900"/>
+                </a:solidFill>
+                <a:latin typeface="Consolas" panose="020B0609020204030204" pitchFamily="49" charset="0"/>
+              </a:rPr>
+              <a:t>5</a:t>
+            </a:r>
+            <a:r>
+              <a:rPr lang="en-US" altLang="en-US" sz="1100" dirty="0">
+                <a:latin typeface="Consolas" panose="020B0609020204030204" pitchFamily="49" charset="0"/>
+              </a:rPr>
+              <a:t>, </a:t>
+            </a:r>
+            <a:r>
+              <a:rPr lang="en-US" altLang="en-US" sz="1100" dirty="0">
+                <a:solidFill>
+                  <a:srgbClr val="009900"/>
+                </a:solidFill>
+                <a:latin typeface="Consolas" panose="020B0609020204030204" pitchFamily="49" charset="0"/>
+              </a:rPr>
+              <a:t>6</a:t>
+            </a:r>
+            <a:r>
+              <a:rPr lang="en-US" altLang="en-US" sz="1100" dirty="0">
+                <a:latin typeface="Consolas" panose="020B0609020204030204" pitchFamily="49" charset="0"/>
+              </a:rPr>
+              <a:t>, </a:t>
+            </a:r>
+            <a:r>
+              <a:rPr lang="en-US" altLang="en-US" sz="1100" dirty="0">
+                <a:solidFill>
+                  <a:srgbClr val="009900"/>
+                </a:solidFill>
+                <a:latin typeface="Consolas" panose="020B0609020204030204" pitchFamily="49" charset="0"/>
+              </a:rPr>
+              <a:t>7</a:t>
+            </a:r>
+            <a:r>
+              <a:rPr lang="en-US" altLang="en-US" sz="1100" dirty="0">
+                <a:latin typeface="Consolas" panose="020B0609020204030204" pitchFamily="49" charset="0"/>
+              </a:rPr>
+              <a:t>, </a:t>
+            </a:r>
+            <a:r>
+              <a:rPr lang="en-US" altLang="en-US" sz="1100" dirty="0">
+                <a:solidFill>
+                  <a:srgbClr val="009900"/>
+                </a:solidFill>
+                <a:latin typeface="Consolas" panose="020B0609020204030204" pitchFamily="49" charset="0"/>
+              </a:rPr>
+              <a:t>8</a:t>
+            </a:r>
+            <a:r>
+              <a:rPr lang="en-US" altLang="en-US" sz="1100" dirty="0">
+                <a:latin typeface="Consolas" panose="020B0609020204030204" pitchFamily="49" charset="0"/>
+              </a:rPr>
+              <a:t>, </a:t>
+            </a:r>
+            <a:r>
+              <a:rPr lang="en-US" altLang="en-US" sz="1100" dirty="0">
+                <a:solidFill>
+                  <a:srgbClr val="009900"/>
+                </a:solidFill>
+                <a:latin typeface="Consolas" panose="020B0609020204030204" pitchFamily="49" charset="0"/>
+              </a:rPr>
+              <a:t>9</a:t>
+            </a:r>
+            <a:r>
+              <a:rPr lang="en-US" altLang="en-US" sz="1100" dirty="0">
+                <a:latin typeface="Consolas" panose="020B0609020204030204" pitchFamily="49" charset="0"/>
+              </a:rPr>
+              <a:t>, </a:t>
+            </a:r>
+            <a:r>
+              <a:rPr lang="en-US" altLang="en-US" sz="1100" dirty="0">
+                <a:solidFill>
+                  <a:srgbClr val="009900"/>
+                </a:solidFill>
+                <a:latin typeface="Consolas" panose="020B0609020204030204" pitchFamily="49" charset="0"/>
+              </a:rPr>
+              <a:t>10</a:t>
+            </a:r>
+            <a:r>
+              <a:rPr lang="en-US" altLang="en-US" sz="1100" dirty="0">
+                <a:latin typeface="Consolas" panose="020B0609020204030204" pitchFamily="49" charset="0"/>
+              </a:rPr>
+              <a:t>, </a:t>
+            </a:r>
+            <a:r>
+              <a:rPr lang="en-US" altLang="en-US" sz="1100" dirty="0">
+                <a:solidFill>
+                  <a:srgbClr val="009900"/>
+                </a:solidFill>
+                <a:latin typeface="Consolas" panose="020B0609020204030204" pitchFamily="49" charset="0"/>
+              </a:rPr>
+              <a:t>11</a:t>
+            </a:r>
+            <a:r>
+              <a:rPr lang="en-US" altLang="en-US" sz="1100" dirty="0">
+                <a:latin typeface="Consolas" panose="020B0609020204030204" pitchFamily="49" charset="0"/>
+              </a:rPr>
+              <a:t>, </a:t>
+            </a:r>
+            <a:r>
+              <a:rPr lang="en-US" altLang="en-US" sz="1100" dirty="0">
+                <a:solidFill>
+                  <a:srgbClr val="009900"/>
+                </a:solidFill>
+                <a:latin typeface="Consolas" panose="020B0609020204030204" pitchFamily="49" charset="0"/>
+              </a:rPr>
+              <a:t>12</a:t>
+            </a:r>
+            <a:r>
+              <a:rPr lang="en-US" altLang="en-US" sz="1100" dirty="0">
+                <a:latin typeface="Consolas" panose="020B0609020204030204" pitchFamily="49" charset="0"/>
+              </a:rPr>
+              <a:t>, </a:t>
+            </a:r>
+            <a:r>
+              <a:rPr lang="en-US" altLang="en-US" sz="1100" dirty="0">
+                <a:solidFill>
+                  <a:srgbClr val="009900"/>
+                </a:solidFill>
+                <a:latin typeface="Consolas" panose="020B0609020204030204" pitchFamily="49" charset="0"/>
+              </a:rPr>
+              <a:t>13</a:t>
+            </a:r>
+            <a:r>
+              <a:rPr lang="en-US" altLang="en-US" sz="1100" dirty="0">
+                <a:latin typeface="Consolas" panose="020B0609020204030204" pitchFamily="49" charset="0"/>
+              </a:rPr>
+              <a:t>, </a:t>
+            </a:r>
+            <a:r>
+              <a:rPr lang="en-US" altLang="en-US" sz="1100" dirty="0">
+                <a:solidFill>
+                  <a:srgbClr val="009900"/>
+                </a:solidFill>
+                <a:latin typeface="Consolas" panose="020B0609020204030204" pitchFamily="49" charset="0"/>
+              </a:rPr>
+              <a:t>14</a:t>
+            </a:r>
+            <a:r>
+              <a:rPr lang="en-US" altLang="en-US" sz="1100" dirty="0">
+                <a:latin typeface="Consolas" panose="020B0609020204030204" pitchFamily="49" charset="0"/>
+              </a:rPr>
+              <a:t>, </a:t>
+            </a:r>
+            <a:r>
+              <a:rPr lang="en-US" altLang="en-US" sz="1100" dirty="0">
+                <a:solidFill>
+                  <a:srgbClr val="009900"/>
+                </a:solidFill>
+                <a:latin typeface="Consolas" panose="020B0609020204030204" pitchFamily="49" charset="0"/>
+              </a:rPr>
+              <a:t>15</a:t>
+            </a:r>
+            <a:r>
+              <a:rPr lang="en-US" altLang="en-US" sz="1100" dirty="0">
+                <a:latin typeface="Consolas" panose="020B0609020204030204" pitchFamily="49" charset="0"/>
+              </a:rPr>
+              <a:t>, </a:t>
+            </a:r>
+            <a:r>
+              <a:rPr lang="en-US" altLang="en-US" sz="1100" dirty="0">
+                <a:solidFill>
+                  <a:srgbClr val="009900"/>
+                </a:solidFill>
+                <a:latin typeface="Consolas" panose="020B0609020204030204" pitchFamily="49" charset="0"/>
+              </a:rPr>
+              <a:t>16</a:t>
+            </a:r>
+            <a:r>
+              <a:rPr lang="en-US" altLang="en-US" sz="1100" dirty="0">
+                <a:latin typeface="Consolas" panose="020B0609020204030204" pitchFamily="49" charset="0"/>
+              </a:rPr>
+              <a:t>]) </a:t>
+            </a:r>
+            <a:endParaRPr lang="en-US" altLang="en-US" sz="1100" dirty="0">
+              <a:solidFill>
+                <a:schemeClr val="tx1"/>
+              </a:solidFill>
+            </a:endParaRPr>
+          </a:p>
+          <a:p>
+            <a:pPr lvl="0" eaLnBrk="0" fontAlgn="base" hangingPunct="0">
+              <a:spcBef>
+                <a:spcPct val="0"/>
+              </a:spcBef>
+              <a:spcAft>
+                <a:spcPct val="0"/>
+              </a:spcAft>
+              <a:buClrTx/>
+            </a:pPr>
+            <a:r>
+              <a:rPr lang="en-US" altLang="en-US" sz="1100" dirty="0">
+                <a:solidFill>
+                  <a:srgbClr val="273239"/>
+                </a:solidFill>
+                <a:latin typeface="Consolas" panose="020B0609020204030204" pitchFamily="49" charset="0"/>
+              </a:rPr>
+              <a:t>  </a:t>
+            </a:r>
+            <a:endParaRPr lang="en-US" altLang="en-US" sz="1100" dirty="0">
+              <a:solidFill>
+                <a:schemeClr val="tx1"/>
+              </a:solidFill>
+            </a:endParaRPr>
+          </a:p>
+          <a:p>
+            <a:pPr lvl="0" eaLnBrk="0" fontAlgn="base" hangingPunct="0">
+              <a:spcBef>
+                <a:spcPct val="0"/>
+              </a:spcBef>
+              <a:spcAft>
+                <a:spcPct val="0"/>
+              </a:spcAft>
+              <a:buClrTx/>
+            </a:pPr>
+            <a:r>
+              <a:rPr lang="en-US" altLang="en-US" sz="1100" dirty="0">
+                <a:solidFill>
+                  <a:srgbClr val="008200"/>
+                </a:solidFill>
+                <a:latin typeface="Consolas" panose="020B0609020204030204" pitchFamily="49" charset="0"/>
+              </a:rPr>
+              <a:t># printing array </a:t>
+            </a:r>
+            <a:endParaRPr lang="en-US" altLang="en-US" sz="1100" dirty="0">
+              <a:solidFill>
+                <a:schemeClr val="tx1"/>
+              </a:solidFill>
+            </a:endParaRPr>
+          </a:p>
+          <a:p>
+            <a:pPr lvl="0" eaLnBrk="0" fontAlgn="base" hangingPunct="0">
+              <a:spcBef>
+                <a:spcPct val="0"/>
+              </a:spcBef>
+              <a:spcAft>
+                <a:spcPct val="0"/>
+              </a:spcAft>
+              <a:buClrTx/>
+            </a:pPr>
+            <a:r>
+              <a:rPr lang="en-US" altLang="en-US" sz="1100" b="1" dirty="0">
+                <a:solidFill>
+                  <a:srgbClr val="006699"/>
+                </a:solidFill>
+                <a:latin typeface="Consolas" panose="020B0609020204030204" pitchFamily="49" charset="0"/>
+              </a:rPr>
+              <a:t>print</a:t>
+            </a:r>
+            <a:r>
+              <a:rPr lang="en-US" altLang="en-US" sz="1100" dirty="0">
+                <a:latin typeface="Consolas" panose="020B0609020204030204" pitchFamily="49" charset="0"/>
+              </a:rPr>
+              <a:t>(</a:t>
+            </a:r>
+            <a:r>
+              <a:rPr lang="en-US" altLang="en-US" sz="1100" dirty="0">
+                <a:solidFill>
+                  <a:srgbClr val="0000FF"/>
+                </a:solidFill>
+                <a:latin typeface="Consolas" panose="020B0609020204030204" pitchFamily="49" charset="0"/>
+              </a:rPr>
+              <a:t>"Array: "</a:t>
+            </a:r>
+            <a:r>
+              <a:rPr lang="en-US" altLang="en-US" sz="1100" dirty="0">
+                <a:solidFill>
+                  <a:srgbClr val="273239"/>
+                </a:solidFill>
+                <a:latin typeface="Consolas" panose="020B0609020204030204" pitchFamily="49" charset="0"/>
+              </a:rPr>
+              <a:t> </a:t>
+            </a:r>
+            <a:r>
+              <a:rPr lang="en-US" altLang="en-US" sz="1100" b="1" dirty="0">
+                <a:solidFill>
+                  <a:srgbClr val="006699"/>
+                </a:solidFill>
+                <a:latin typeface="Consolas" panose="020B0609020204030204" pitchFamily="49" charset="0"/>
+              </a:rPr>
+              <a:t>+</a:t>
+            </a:r>
+            <a:r>
+              <a:rPr lang="en-US" altLang="en-US" sz="1100" dirty="0">
+                <a:solidFill>
+                  <a:srgbClr val="273239"/>
+                </a:solidFill>
+                <a:latin typeface="Consolas" panose="020B0609020204030204" pitchFamily="49" charset="0"/>
+              </a:rPr>
+              <a:t> </a:t>
+            </a:r>
+            <a:r>
+              <a:rPr lang="en-US" altLang="en-US" sz="1100" dirty="0" err="1">
+                <a:solidFill>
+                  <a:srgbClr val="FF1493"/>
+                </a:solidFill>
+                <a:latin typeface="Consolas" panose="020B0609020204030204" pitchFamily="49" charset="0"/>
+              </a:rPr>
+              <a:t>str</a:t>
+            </a:r>
+            <a:r>
+              <a:rPr lang="en-US" altLang="en-US" sz="1100" dirty="0">
+                <a:latin typeface="Consolas" panose="020B0609020204030204" pitchFamily="49" charset="0"/>
+              </a:rPr>
+              <a:t>(array)) </a:t>
+            </a:r>
+            <a:endParaRPr lang="en-US" altLang="en-US" sz="1100" dirty="0">
+              <a:solidFill>
+                <a:schemeClr val="tx1"/>
+              </a:solidFill>
+            </a:endParaRPr>
+          </a:p>
+          <a:p>
+            <a:pPr lvl="0" eaLnBrk="0" fontAlgn="base" hangingPunct="0">
+              <a:spcBef>
+                <a:spcPct val="0"/>
+              </a:spcBef>
+              <a:spcAft>
+                <a:spcPct val="0"/>
+              </a:spcAft>
+              <a:buClrTx/>
+            </a:pPr>
+            <a:r>
+              <a:rPr lang="en-US" altLang="en-US" sz="1100" dirty="0">
+                <a:solidFill>
+                  <a:srgbClr val="273239"/>
+                </a:solidFill>
+                <a:latin typeface="Consolas" panose="020B0609020204030204" pitchFamily="49" charset="0"/>
+              </a:rPr>
+              <a:t>  </a:t>
+            </a:r>
+            <a:endParaRPr lang="en-US" altLang="en-US" sz="1100" dirty="0">
+              <a:solidFill>
+                <a:schemeClr val="tx1"/>
+              </a:solidFill>
+            </a:endParaRPr>
+          </a:p>
+          <a:p>
+            <a:pPr lvl="0" eaLnBrk="0" fontAlgn="base" hangingPunct="0">
+              <a:spcBef>
+                <a:spcPct val="0"/>
+              </a:spcBef>
+              <a:spcAft>
+                <a:spcPct val="0"/>
+              </a:spcAft>
+              <a:buClrTx/>
+            </a:pPr>
+            <a:r>
+              <a:rPr lang="en-US" altLang="en-US" sz="1100" dirty="0">
+                <a:solidFill>
+                  <a:srgbClr val="008200"/>
+                </a:solidFill>
+                <a:latin typeface="Consolas" panose="020B0609020204030204" pitchFamily="49" charset="0"/>
+              </a:rPr>
+              <a:t># reshaping </a:t>
+            </a:r>
+            <a:r>
+              <a:rPr lang="en-US" altLang="en-US" sz="1100" dirty="0" err="1">
+                <a:solidFill>
+                  <a:srgbClr val="008200"/>
+                </a:solidFill>
+                <a:latin typeface="Consolas" panose="020B0609020204030204" pitchFamily="49" charset="0"/>
+              </a:rPr>
+              <a:t>numpy</a:t>
+            </a:r>
+            <a:r>
+              <a:rPr lang="en-US" altLang="en-US" sz="1100" dirty="0">
+                <a:solidFill>
+                  <a:srgbClr val="008200"/>
+                </a:solidFill>
+                <a:latin typeface="Consolas" panose="020B0609020204030204" pitchFamily="49" charset="0"/>
+              </a:rPr>
+              <a:t> array </a:t>
+            </a:r>
+            <a:endParaRPr lang="en-US" altLang="en-US" sz="1100" dirty="0">
+              <a:solidFill>
+                <a:schemeClr val="tx1"/>
+              </a:solidFill>
+            </a:endParaRPr>
+          </a:p>
+          <a:p>
+            <a:pPr lvl="0" eaLnBrk="0" fontAlgn="base" hangingPunct="0">
+              <a:spcBef>
+                <a:spcPct val="0"/>
+              </a:spcBef>
+              <a:spcAft>
+                <a:spcPct val="0"/>
+              </a:spcAft>
+              <a:buClrTx/>
+            </a:pPr>
+            <a:r>
+              <a:rPr lang="en-US" altLang="en-US" sz="1100" dirty="0">
+                <a:solidFill>
+                  <a:srgbClr val="008200"/>
+                </a:solidFill>
+                <a:latin typeface="Consolas" panose="020B0609020204030204" pitchFamily="49" charset="0"/>
+              </a:rPr>
+              <a:t># converting it to 2-D from 1-D array </a:t>
+            </a:r>
+            <a:endParaRPr lang="en-US" altLang="en-US" sz="1100" dirty="0">
+              <a:solidFill>
+                <a:schemeClr val="tx1"/>
+              </a:solidFill>
+            </a:endParaRPr>
+          </a:p>
+          <a:p>
+            <a:pPr lvl="0" eaLnBrk="0" fontAlgn="base" hangingPunct="0">
+              <a:spcBef>
+                <a:spcPct val="0"/>
+              </a:spcBef>
+              <a:spcAft>
+                <a:spcPct val="0"/>
+              </a:spcAft>
+              <a:buClrTx/>
+            </a:pPr>
+            <a:r>
+              <a:rPr lang="en-US" altLang="en-US" sz="1100" dirty="0">
+                <a:latin typeface="Consolas" panose="020B0609020204030204" pitchFamily="49" charset="0"/>
+              </a:rPr>
+              <a:t>reshaped1 </a:t>
+            </a:r>
+            <a:r>
+              <a:rPr lang="en-US" altLang="en-US" sz="1100" b="1" dirty="0">
+                <a:solidFill>
+                  <a:srgbClr val="006699"/>
+                </a:solidFill>
+                <a:latin typeface="Consolas" panose="020B0609020204030204" pitchFamily="49" charset="0"/>
+              </a:rPr>
+              <a:t>=</a:t>
+            </a:r>
+            <a:r>
+              <a:rPr lang="en-US" altLang="en-US" sz="1100" dirty="0">
+                <a:solidFill>
+                  <a:srgbClr val="273239"/>
+                </a:solidFill>
+                <a:latin typeface="Consolas" panose="020B0609020204030204" pitchFamily="49" charset="0"/>
+              </a:rPr>
+              <a:t> </a:t>
+            </a:r>
+            <a:r>
+              <a:rPr lang="en-US" altLang="en-US" sz="1100" dirty="0" err="1">
+                <a:latin typeface="Consolas" panose="020B0609020204030204" pitchFamily="49" charset="0"/>
+              </a:rPr>
+              <a:t>array.reshape</a:t>
+            </a:r>
+            <a:r>
+              <a:rPr lang="en-US" altLang="en-US" sz="1100" dirty="0">
+                <a:latin typeface="Consolas" panose="020B0609020204030204" pitchFamily="49" charset="0"/>
+              </a:rPr>
+              <a:t>((</a:t>
+            </a:r>
+            <a:r>
+              <a:rPr lang="en-US" altLang="en-US" sz="1100" dirty="0">
+                <a:solidFill>
+                  <a:srgbClr val="009900"/>
+                </a:solidFill>
+                <a:latin typeface="Consolas" panose="020B0609020204030204" pitchFamily="49" charset="0"/>
+              </a:rPr>
+              <a:t>4</a:t>
+            </a:r>
+            <a:r>
+              <a:rPr lang="en-US" altLang="en-US" sz="1100" dirty="0">
+                <a:latin typeface="Consolas" panose="020B0609020204030204" pitchFamily="49" charset="0"/>
+              </a:rPr>
+              <a:t>, </a:t>
+            </a:r>
+            <a:r>
+              <a:rPr lang="en-US" altLang="en-US" sz="1100" dirty="0" err="1">
+                <a:latin typeface="Consolas" panose="020B0609020204030204" pitchFamily="49" charset="0"/>
+              </a:rPr>
+              <a:t>array.size</a:t>
+            </a:r>
+            <a:r>
+              <a:rPr lang="en-US" altLang="en-US" sz="1100" b="1" dirty="0">
+                <a:solidFill>
+                  <a:srgbClr val="006699"/>
+                </a:solidFill>
+                <a:latin typeface="Consolas" panose="020B0609020204030204" pitchFamily="49" charset="0"/>
+              </a:rPr>
+              <a:t>//</a:t>
+            </a:r>
+            <a:r>
+              <a:rPr lang="en-US" altLang="en-US" sz="1100" dirty="0">
+                <a:solidFill>
+                  <a:srgbClr val="009900"/>
+                </a:solidFill>
+                <a:latin typeface="Consolas" panose="020B0609020204030204" pitchFamily="49" charset="0"/>
+              </a:rPr>
+              <a:t>4</a:t>
+            </a:r>
+            <a:r>
+              <a:rPr lang="en-US" altLang="en-US" sz="1100" dirty="0">
+                <a:latin typeface="Consolas" panose="020B0609020204030204" pitchFamily="49" charset="0"/>
+              </a:rPr>
+              <a:t>)) </a:t>
+            </a:r>
+            <a:endParaRPr lang="en-US" altLang="en-US" sz="1100" dirty="0">
+              <a:solidFill>
+                <a:schemeClr val="tx1"/>
+              </a:solidFill>
+            </a:endParaRPr>
+          </a:p>
+          <a:p>
+            <a:pPr lvl="0" eaLnBrk="0" fontAlgn="base" hangingPunct="0">
+              <a:spcBef>
+                <a:spcPct val="0"/>
+              </a:spcBef>
+              <a:spcAft>
+                <a:spcPct val="0"/>
+              </a:spcAft>
+              <a:buClrTx/>
+            </a:pPr>
+            <a:r>
+              <a:rPr lang="en-US" altLang="en-US" sz="1100" dirty="0">
+                <a:solidFill>
+                  <a:srgbClr val="273239"/>
+                </a:solidFill>
+                <a:latin typeface="Consolas" panose="020B0609020204030204" pitchFamily="49" charset="0"/>
+              </a:rPr>
+              <a:t>  </a:t>
+            </a:r>
+            <a:endParaRPr lang="en-US" altLang="en-US" sz="1100" dirty="0">
+              <a:solidFill>
+                <a:schemeClr val="tx1"/>
+              </a:solidFill>
+            </a:endParaRPr>
+          </a:p>
+          <a:p>
+            <a:pPr lvl="0" eaLnBrk="0" fontAlgn="base" hangingPunct="0">
+              <a:spcBef>
+                <a:spcPct val="0"/>
+              </a:spcBef>
+              <a:spcAft>
+                <a:spcPct val="0"/>
+              </a:spcAft>
+              <a:buClrTx/>
+            </a:pPr>
+            <a:r>
+              <a:rPr lang="en-US" altLang="en-US" sz="1100" dirty="0">
+                <a:solidFill>
+                  <a:srgbClr val="008200"/>
+                </a:solidFill>
+                <a:latin typeface="Consolas" panose="020B0609020204030204" pitchFamily="49" charset="0"/>
+              </a:rPr>
+              <a:t># printing reshaped array </a:t>
+            </a:r>
+            <a:endParaRPr lang="en-US" altLang="en-US" sz="1100" dirty="0">
+              <a:solidFill>
+                <a:schemeClr val="tx1"/>
+              </a:solidFill>
+            </a:endParaRPr>
+          </a:p>
+          <a:p>
+            <a:pPr lvl="0" eaLnBrk="0" fontAlgn="base" hangingPunct="0">
+              <a:spcBef>
+                <a:spcPct val="0"/>
+              </a:spcBef>
+              <a:spcAft>
+                <a:spcPct val="0"/>
+              </a:spcAft>
+              <a:buClrTx/>
+            </a:pPr>
+            <a:r>
+              <a:rPr lang="en-US" altLang="en-US" sz="1100" dirty="0">
+                <a:solidFill>
+                  <a:srgbClr val="FF1493"/>
+                </a:solidFill>
+                <a:latin typeface="Consolas" panose="020B0609020204030204" pitchFamily="49" charset="0"/>
+              </a:rPr>
+              <a:t>print</a:t>
+            </a:r>
+            <a:r>
+              <a:rPr lang="en-US" altLang="en-US" sz="1100" dirty="0">
+                <a:latin typeface="Consolas" panose="020B0609020204030204" pitchFamily="49" charset="0"/>
+              </a:rPr>
+              <a:t>(</a:t>
+            </a:r>
+            <a:r>
+              <a:rPr lang="en-US" altLang="en-US" sz="1100" dirty="0">
+                <a:solidFill>
+                  <a:srgbClr val="0000FF"/>
+                </a:solidFill>
+                <a:latin typeface="Consolas" panose="020B0609020204030204" pitchFamily="49" charset="0"/>
+              </a:rPr>
+              <a:t>"First Reshaped Array:"</a:t>
+            </a:r>
+            <a:r>
+              <a:rPr lang="en-US" altLang="en-US" sz="1100" dirty="0">
+                <a:latin typeface="Consolas" panose="020B0609020204030204" pitchFamily="49" charset="0"/>
+              </a:rPr>
+              <a:t>) </a:t>
+            </a:r>
+            <a:endParaRPr lang="en-US" altLang="en-US" sz="1100" dirty="0">
+              <a:solidFill>
+                <a:schemeClr val="tx1"/>
+              </a:solidFill>
+            </a:endParaRPr>
+          </a:p>
+          <a:p>
+            <a:pPr lvl="0" eaLnBrk="0" fontAlgn="base" hangingPunct="0">
+              <a:spcBef>
+                <a:spcPct val="0"/>
+              </a:spcBef>
+              <a:spcAft>
+                <a:spcPct val="0"/>
+              </a:spcAft>
+              <a:buClrTx/>
+            </a:pPr>
+            <a:r>
+              <a:rPr lang="en-US" altLang="en-US" sz="1100" dirty="0">
+                <a:solidFill>
+                  <a:srgbClr val="FF1493"/>
+                </a:solidFill>
+                <a:latin typeface="Consolas" panose="020B0609020204030204" pitchFamily="49" charset="0"/>
+              </a:rPr>
+              <a:t>print</a:t>
+            </a:r>
+            <a:r>
+              <a:rPr lang="en-US" altLang="en-US" sz="1100" dirty="0">
+                <a:latin typeface="Consolas" panose="020B0609020204030204" pitchFamily="49" charset="0"/>
+              </a:rPr>
+              <a:t>(reshaped1) </a:t>
+            </a:r>
+            <a:endParaRPr lang="en-US" altLang="en-US" sz="1100" dirty="0">
+              <a:solidFill>
+                <a:schemeClr val="tx1"/>
+              </a:solidFill>
+            </a:endParaRPr>
+          </a:p>
+          <a:p>
+            <a:pPr lvl="0" eaLnBrk="0" fontAlgn="base" hangingPunct="0">
+              <a:spcBef>
+                <a:spcPct val="0"/>
+              </a:spcBef>
+              <a:spcAft>
+                <a:spcPct val="0"/>
+              </a:spcAft>
+              <a:buClrTx/>
+            </a:pPr>
+            <a:r>
+              <a:rPr lang="en-US" altLang="en-US" sz="1100" dirty="0">
+                <a:solidFill>
+                  <a:srgbClr val="273239"/>
+                </a:solidFill>
+                <a:latin typeface="Consolas" panose="020B0609020204030204" pitchFamily="49" charset="0"/>
+              </a:rPr>
+              <a:t>  </a:t>
+            </a:r>
+            <a:endParaRPr lang="en-US" altLang="en-US" sz="1100" dirty="0">
+              <a:solidFill>
+                <a:schemeClr val="tx1"/>
+              </a:solidFill>
+            </a:endParaRPr>
+          </a:p>
+          <a:p>
+            <a:pPr lvl="0" eaLnBrk="0" fontAlgn="base" hangingPunct="0">
+              <a:spcBef>
+                <a:spcPct val="0"/>
+              </a:spcBef>
+              <a:spcAft>
+                <a:spcPct val="0"/>
+              </a:spcAft>
+              <a:buClrTx/>
+            </a:pPr>
+            <a:r>
+              <a:rPr lang="en-US" altLang="en-US" sz="1100" dirty="0">
+                <a:solidFill>
+                  <a:srgbClr val="008200"/>
+                </a:solidFill>
+                <a:latin typeface="Consolas" panose="020B0609020204030204" pitchFamily="49" charset="0"/>
+              </a:rPr>
+              <a:t># creating another reshaped array </a:t>
+            </a:r>
+            <a:endParaRPr lang="en-US" altLang="en-US" sz="1100" dirty="0">
+              <a:solidFill>
+                <a:schemeClr val="tx1"/>
+              </a:solidFill>
+            </a:endParaRPr>
+          </a:p>
+          <a:p>
+            <a:pPr lvl="0" eaLnBrk="0" fontAlgn="base" hangingPunct="0">
+              <a:spcBef>
+                <a:spcPct val="0"/>
+              </a:spcBef>
+              <a:spcAft>
+                <a:spcPct val="0"/>
+              </a:spcAft>
+              <a:buClrTx/>
+            </a:pPr>
+            <a:r>
+              <a:rPr lang="en-US" altLang="en-US" sz="1100" dirty="0">
+                <a:latin typeface="Consolas" panose="020B0609020204030204" pitchFamily="49" charset="0"/>
+              </a:rPr>
+              <a:t>reshaped2 </a:t>
+            </a:r>
+            <a:r>
+              <a:rPr lang="en-US" altLang="en-US" sz="1100" b="1" dirty="0">
+                <a:solidFill>
+                  <a:srgbClr val="006699"/>
+                </a:solidFill>
+                <a:latin typeface="Consolas" panose="020B0609020204030204" pitchFamily="49" charset="0"/>
+              </a:rPr>
+              <a:t>=</a:t>
+            </a:r>
+            <a:r>
+              <a:rPr lang="en-US" altLang="en-US" sz="1100" dirty="0">
+                <a:solidFill>
+                  <a:srgbClr val="273239"/>
+                </a:solidFill>
+                <a:latin typeface="Consolas" panose="020B0609020204030204" pitchFamily="49" charset="0"/>
+              </a:rPr>
+              <a:t> </a:t>
+            </a:r>
+            <a:r>
+              <a:rPr lang="en-US" altLang="en-US" sz="1100" dirty="0" err="1">
+                <a:latin typeface="Consolas" panose="020B0609020204030204" pitchFamily="49" charset="0"/>
+              </a:rPr>
+              <a:t>np.reshape</a:t>
+            </a:r>
+            <a:r>
+              <a:rPr lang="en-US" altLang="en-US" sz="1100" dirty="0">
+                <a:latin typeface="Consolas" panose="020B0609020204030204" pitchFamily="49" charset="0"/>
+              </a:rPr>
+              <a:t>(array, (</a:t>
+            </a:r>
+            <a:r>
+              <a:rPr lang="en-US" altLang="en-US" sz="1100" dirty="0">
+                <a:solidFill>
+                  <a:srgbClr val="009900"/>
+                </a:solidFill>
+                <a:latin typeface="Consolas" panose="020B0609020204030204" pitchFamily="49" charset="0"/>
+              </a:rPr>
+              <a:t>2</a:t>
+            </a:r>
+            <a:r>
+              <a:rPr lang="en-US" altLang="en-US" sz="1100" dirty="0">
+                <a:latin typeface="Consolas" panose="020B0609020204030204" pitchFamily="49" charset="0"/>
+              </a:rPr>
+              <a:t>, </a:t>
+            </a:r>
+            <a:r>
+              <a:rPr lang="en-US" altLang="en-US" sz="1100" dirty="0">
+                <a:solidFill>
+                  <a:srgbClr val="009900"/>
+                </a:solidFill>
+                <a:latin typeface="Consolas" panose="020B0609020204030204" pitchFamily="49" charset="0"/>
+              </a:rPr>
+              <a:t>8</a:t>
+            </a:r>
+            <a:r>
+              <a:rPr lang="en-US" altLang="en-US" sz="1100" dirty="0">
+                <a:latin typeface="Consolas" panose="020B0609020204030204" pitchFamily="49" charset="0"/>
+              </a:rPr>
+              <a:t>)) </a:t>
+            </a:r>
+            <a:endParaRPr lang="en-US" altLang="en-US" sz="1100" dirty="0">
+              <a:solidFill>
+                <a:schemeClr val="tx1"/>
+              </a:solidFill>
+            </a:endParaRPr>
+          </a:p>
+          <a:p>
+            <a:pPr lvl="0" eaLnBrk="0" fontAlgn="base" hangingPunct="0">
+              <a:spcBef>
+                <a:spcPct val="0"/>
+              </a:spcBef>
+              <a:spcAft>
+                <a:spcPct val="0"/>
+              </a:spcAft>
+              <a:buClrTx/>
+            </a:pPr>
+            <a:r>
+              <a:rPr lang="en-US" altLang="en-US" sz="1100" dirty="0">
+                <a:solidFill>
+                  <a:srgbClr val="273239"/>
+                </a:solidFill>
+                <a:latin typeface="Consolas" panose="020B0609020204030204" pitchFamily="49" charset="0"/>
+              </a:rPr>
+              <a:t>  </a:t>
+            </a:r>
+            <a:endParaRPr lang="en-US" altLang="en-US" sz="1100" dirty="0">
+              <a:solidFill>
+                <a:schemeClr val="tx1"/>
+              </a:solidFill>
+            </a:endParaRPr>
+          </a:p>
+          <a:p>
+            <a:pPr lvl="0" eaLnBrk="0" fontAlgn="base" hangingPunct="0">
+              <a:spcBef>
+                <a:spcPct val="0"/>
+              </a:spcBef>
+              <a:spcAft>
+                <a:spcPct val="0"/>
+              </a:spcAft>
+              <a:buClrTx/>
+            </a:pPr>
+            <a:r>
+              <a:rPr lang="en-US" altLang="en-US" sz="1100" dirty="0">
+                <a:solidFill>
+                  <a:srgbClr val="008200"/>
+                </a:solidFill>
+                <a:latin typeface="Consolas" panose="020B0609020204030204" pitchFamily="49" charset="0"/>
+              </a:rPr>
+              <a:t># printing reshaped array </a:t>
+            </a:r>
+            <a:endParaRPr lang="en-US" altLang="en-US" sz="1100" dirty="0">
+              <a:solidFill>
+                <a:schemeClr val="tx1"/>
+              </a:solidFill>
+            </a:endParaRPr>
+          </a:p>
+          <a:p>
+            <a:pPr lvl="0" eaLnBrk="0" fontAlgn="base" hangingPunct="0">
+              <a:spcBef>
+                <a:spcPct val="0"/>
+              </a:spcBef>
+              <a:spcAft>
+                <a:spcPct val="0"/>
+              </a:spcAft>
+              <a:buClrTx/>
+            </a:pPr>
+            <a:r>
+              <a:rPr lang="en-US" altLang="en-US" sz="1100" dirty="0">
+                <a:solidFill>
+                  <a:srgbClr val="FF1493"/>
+                </a:solidFill>
+                <a:latin typeface="Consolas" panose="020B0609020204030204" pitchFamily="49" charset="0"/>
+              </a:rPr>
+              <a:t>print</a:t>
+            </a:r>
+            <a:r>
+              <a:rPr lang="en-US" altLang="en-US" sz="1100" dirty="0">
+                <a:latin typeface="Consolas" panose="020B0609020204030204" pitchFamily="49" charset="0"/>
+              </a:rPr>
+              <a:t>(</a:t>
+            </a:r>
+            <a:r>
+              <a:rPr lang="en-US" altLang="en-US" sz="1100" dirty="0">
+                <a:solidFill>
+                  <a:srgbClr val="0000FF"/>
+                </a:solidFill>
+                <a:latin typeface="Consolas" panose="020B0609020204030204" pitchFamily="49" charset="0"/>
+              </a:rPr>
+              <a:t>"\</a:t>
+            </a:r>
+            <a:r>
+              <a:rPr lang="en-US" altLang="en-US" sz="1100" dirty="0" err="1">
+                <a:solidFill>
+                  <a:srgbClr val="0000FF"/>
+                </a:solidFill>
+                <a:latin typeface="Consolas" panose="020B0609020204030204" pitchFamily="49" charset="0"/>
+              </a:rPr>
+              <a:t>nSecond</a:t>
+            </a:r>
+            <a:r>
+              <a:rPr lang="en-US" altLang="en-US" sz="1100" dirty="0">
+                <a:solidFill>
+                  <a:srgbClr val="0000FF"/>
+                </a:solidFill>
+                <a:latin typeface="Consolas" panose="020B0609020204030204" pitchFamily="49" charset="0"/>
+              </a:rPr>
+              <a:t> Reshaped Array:"</a:t>
+            </a:r>
+            <a:r>
+              <a:rPr lang="en-US" altLang="en-US" sz="1100" dirty="0">
+                <a:latin typeface="Consolas" panose="020B0609020204030204" pitchFamily="49" charset="0"/>
+              </a:rPr>
+              <a:t>) </a:t>
+            </a:r>
+            <a:endParaRPr lang="en-US" altLang="en-US" sz="1100" dirty="0">
+              <a:solidFill>
+                <a:schemeClr val="tx1"/>
+              </a:solidFill>
+            </a:endParaRPr>
+          </a:p>
+          <a:p>
+            <a:pPr lvl="0" eaLnBrk="0" fontAlgn="base" hangingPunct="0">
+              <a:spcBef>
+                <a:spcPct val="0"/>
+              </a:spcBef>
+              <a:spcAft>
+                <a:spcPct val="0"/>
+              </a:spcAft>
+              <a:buClrTx/>
+            </a:pPr>
+            <a:r>
+              <a:rPr lang="en-US" altLang="en-US" sz="1100" dirty="0">
+                <a:solidFill>
+                  <a:srgbClr val="FF1493"/>
+                </a:solidFill>
+                <a:latin typeface="Consolas" panose="020B0609020204030204" pitchFamily="49" charset="0"/>
+              </a:rPr>
+              <a:t>print</a:t>
+            </a:r>
+            <a:r>
+              <a:rPr lang="en-US" altLang="en-US" sz="1100" dirty="0">
+                <a:latin typeface="Consolas" panose="020B0609020204030204" pitchFamily="49" charset="0"/>
+              </a:rPr>
+              <a:t>(reshaped2</a:t>
+            </a:r>
+            <a:r>
+              <a:rPr lang="en-US" altLang="en-US" sz="1100" dirty="0" smtClean="0">
+                <a:latin typeface="Consolas" panose="020B0609020204030204" pitchFamily="49" charset="0"/>
+              </a:rPr>
+              <a:t>)</a:t>
+            </a:r>
+            <a:endParaRPr lang="en-US" b="1" u="sng" dirty="0"/>
+          </a:p>
+        </p:txBody>
+      </p:sp>
+      <p:sp>
+        <p:nvSpPr>
+          <p:cNvPr id="4" name="Rectangle 3"/>
+          <p:cNvSpPr>
+            <a:spLocks noChangeArrowheads="1"/>
+          </p:cNvSpPr>
+          <p:nvPr/>
+        </p:nvSpPr>
+        <p:spPr bwMode="auto">
+          <a:xfrm>
+            <a:off x="0" y="90100"/>
+            <a:ext cx="65" cy="276999"/>
+          </a:xfrm>
+          <a:prstGeom prst="rect">
+            <a:avLst/>
+          </a:prstGeom>
+          <a:noFill/>
+          <a:ln>
+            <a:noFill/>
+          </a:ln>
+          <a:effectLst/>
+          <a:extLst>
+            <a:ext uri="{909E8E84-426E-40DD-AFC4-6F175D3DCCD1}">
+              <a14:hiddenFill xmlns:a14="http://schemas.microsoft.com/office/drawing/2010/main">
+                <a:solidFill>
+                  <a:schemeClr val="accent1"/>
+                </a:solidFill>
+              </a14:hiddenFill>
+            </a:ext>
+            <a:ext uri="{91240B29-F687-4F45-9708-019B960494DF}">
+              <a14:hiddenLine xmlns:a14="http://schemas.microsoft.com/office/drawing/2010/main" w="9525">
+                <a:solidFill>
+                  <a:schemeClr val="tx1"/>
+                </a:solidFill>
+                <a:miter lim="800000"/>
+                <a:headEnd/>
+                <a:tailEnd/>
+              </a14:hiddenLine>
+            </a:ext>
+            <a:ext uri="{AF507438-7753-43E0-B8FC-AC1667EBCBE1}">
+              <a14:hiddenEffects xmlns:a14="http://schemas.microsoft.com/office/drawing/2010/main">
+                <a:effectLst>
+                  <a:outerShdw dist="35921" dir="2700000" algn="ctr" rotWithShape="0">
+                    <a:schemeClr val="bg2"/>
+                  </a:outerShdw>
+                </a:effectLst>
+              </a14:hiddenEffects>
+            </a:ext>
+          </a:extLst>
+        </p:spPr>
+        <p:txBody>
+          <a:bodyPr vert="horz" wrap="none" lIns="0" tIns="0" rIns="0" bIns="0" numCol="1" anchor="ctr" anchorCtr="0" compatLnSpc="1">
+            <a:prstTxWarp prst="textNoShape">
+              <a:avLst/>
+            </a:prstTxWarp>
+            <a:spAutoFit/>
+          </a:bodyPr>
+          <a:lstStyle>
+            <a:lvl1pPr eaLnBrk="0" fontAlgn="base" hangingPunct="0">
+              <a:spcBef>
+                <a:spcPct val="0"/>
+              </a:spcBef>
+              <a:spcAft>
+                <a:spcPct val="0"/>
+              </a:spcAft>
+              <a:defRPr>
+                <a:solidFill>
+                  <a:schemeClr val="tx1"/>
+                </a:solidFill>
+                <a:latin typeface="Arial" panose="020B0604020202020204" pitchFamily="34" charset="0"/>
+              </a:defRPr>
+            </a:lvl1pPr>
+            <a:lvl2pPr marL="457200" eaLnBrk="0" fontAlgn="base" hangingPunct="0">
+              <a:spcBef>
+                <a:spcPct val="0"/>
+              </a:spcBef>
+              <a:spcAft>
+                <a:spcPct val="0"/>
+              </a:spcAft>
+              <a:defRPr>
+                <a:solidFill>
+                  <a:schemeClr val="tx1"/>
+                </a:solidFill>
+                <a:latin typeface="Arial" panose="020B0604020202020204" pitchFamily="34" charset="0"/>
+              </a:defRPr>
+            </a:lvl2pPr>
+            <a:lvl3pPr marL="914400" eaLnBrk="0" fontAlgn="base" hangingPunct="0">
+              <a:spcBef>
+                <a:spcPct val="0"/>
+              </a:spcBef>
+              <a:spcAft>
+                <a:spcPct val="0"/>
+              </a:spcAft>
+              <a:defRPr>
+                <a:solidFill>
+                  <a:schemeClr val="tx1"/>
+                </a:solidFill>
+                <a:latin typeface="Arial" panose="020B0604020202020204" pitchFamily="34" charset="0"/>
+              </a:defRPr>
+            </a:lvl3pPr>
+            <a:lvl4pPr marL="1371600" eaLnBrk="0" fontAlgn="base" hangingPunct="0">
+              <a:spcBef>
+                <a:spcPct val="0"/>
+              </a:spcBef>
+              <a:spcAft>
+                <a:spcPct val="0"/>
+              </a:spcAft>
+              <a:defRPr>
+                <a:solidFill>
+                  <a:schemeClr val="tx1"/>
+                </a:solidFill>
+                <a:latin typeface="Arial" panose="020B0604020202020204" pitchFamily="34" charset="0"/>
+              </a:defRPr>
+            </a:lvl4pPr>
+            <a:lvl5pPr marL="1828800" eaLnBrk="0" fontAlgn="base" hangingPunct="0">
+              <a:spcBef>
+                <a:spcPct val="0"/>
+              </a:spcBef>
+              <a:spcAft>
+                <a:spcPct val="0"/>
+              </a:spcAft>
+              <a:defRPr>
+                <a:solidFill>
+                  <a:schemeClr val="tx1"/>
+                </a:solidFill>
+                <a:latin typeface="Arial" panose="020B0604020202020204" pitchFamily="34" charset="0"/>
+              </a:defRPr>
+            </a:lvl5pPr>
+            <a:lvl6pPr marL="2286000" eaLnBrk="0" fontAlgn="base" hangingPunct="0">
+              <a:spcBef>
+                <a:spcPct val="0"/>
+              </a:spcBef>
+              <a:spcAft>
+                <a:spcPct val="0"/>
+              </a:spcAft>
+              <a:defRPr>
+                <a:solidFill>
+                  <a:schemeClr val="tx1"/>
+                </a:solidFill>
+                <a:latin typeface="Arial" panose="020B0604020202020204" pitchFamily="34" charset="0"/>
+              </a:defRPr>
+            </a:lvl6pPr>
+            <a:lvl7pPr marL="2743200" eaLnBrk="0" fontAlgn="base" hangingPunct="0">
+              <a:spcBef>
+                <a:spcPct val="0"/>
+              </a:spcBef>
+              <a:spcAft>
+                <a:spcPct val="0"/>
+              </a:spcAft>
+              <a:defRPr>
+                <a:solidFill>
+                  <a:schemeClr val="tx1"/>
+                </a:solidFill>
+                <a:latin typeface="Arial" panose="020B0604020202020204" pitchFamily="34" charset="0"/>
+              </a:defRPr>
+            </a:lvl7pPr>
+            <a:lvl8pPr marL="3200400" eaLnBrk="0" fontAlgn="base" hangingPunct="0">
+              <a:spcBef>
+                <a:spcPct val="0"/>
+              </a:spcBef>
+              <a:spcAft>
+                <a:spcPct val="0"/>
+              </a:spcAft>
+              <a:defRPr>
+                <a:solidFill>
+                  <a:schemeClr val="tx1"/>
+                </a:solidFill>
+                <a:latin typeface="Arial" panose="020B0604020202020204" pitchFamily="34" charset="0"/>
+              </a:defRPr>
+            </a:lvl8pPr>
+            <a:lvl9pPr marL="3657600" eaLnBrk="0" fontAlgn="base" hangingPunct="0">
+              <a:spcBef>
+                <a:spcPct val="0"/>
+              </a:spcBef>
+              <a:spcAft>
+                <a:spcPct val="0"/>
+              </a:spcAft>
+              <a:defRPr>
+                <a:solidFill>
+                  <a:schemeClr val="tx1"/>
+                </a:solidFill>
+                <a:latin typeface="Arial" panose="020B0604020202020204" pitchFamily="34" charset="0"/>
+              </a:defRPr>
+            </a:lvl9pPr>
+          </a:lstStyle>
+          <a:p>
+            <a:pPr marL="0" marR="0" lvl="0" indent="0" algn="l" defTabSz="914400" rtl="0" eaLnBrk="0" fontAlgn="base" latinLnBrk="0" hangingPunct="0">
+              <a:lnSpc>
+                <a:spcPct val="100000"/>
+              </a:lnSpc>
+              <a:spcBef>
+                <a:spcPct val="0"/>
+              </a:spcBef>
+              <a:spcAft>
+                <a:spcPct val="0"/>
+              </a:spcAft>
+              <a:buClrTx/>
+              <a:buSzTx/>
+              <a:buFontTx/>
+              <a:buNone/>
+              <a:tabLst/>
+            </a:pPr>
+            <a:endParaRPr kumimoji="0" lang="en-US" altLang="en-US" sz="1800" b="0" i="0" u="none" strike="noStrike" cap="none" normalizeH="0" baseline="0" dirty="0" smtClean="0">
+              <a:ln>
+                <a:noFill/>
+              </a:ln>
+              <a:solidFill>
+                <a:schemeClr val="tx1"/>
+              </a:solidFill>
+              <a:effectLst/>
+              <a:latin typeface="Arial" panose="020B0604020202020204" pitchFamily="34" charset="0"/>
+            </a:endParaRPr>
+          </a:p>
+        </p:txBody>
+      </p:sp>
+    </p:spTree>
+    <p:extLst>
+      <p:ext uri="{BB962C8B-B14F-4D97-AF65-F5344CB8AC3E}">
+        <p14:creationId xmlns:p14="http://schemas.microsoft.com/office/powerpoint/2010/main" val="3656119260"/>
+      </p:ext>
+    </p:extLst>
+  </p:cSld>
+  <p:clrMapOvr>
+    <a:masterClrMapping/>
+  </p:clrMapOvr>
+  <p:timing>
+    <p:tnLst>
+      <p:par>
+        <p:cTn id="1" dur="indefinite" restart="never" nodeType="tmRoot"/>
+      </p:par>
+    </p:tnLst>
+  </p:timing>
+</p:sld>
+</file>
+
+<file path=ppt/slides/slide8.xml><?xml version="1.0" encoding="utf-8"?>
+<p:sld xmlns:a="http://schemas.openxmlformats.org/drawingml/2006/main" xmlns:r="http://schemas.openxmlformats.org/officeDocument/2006/relationships" xmlns:p="http://schemas.openxmlformats.org/presentationml/2006/main">
+  <p:cSld>
+    <p:bg>
+      <p:bgPr>
+        <a:noFill/>
+        <a:effectLst/>
+      </p:bgPr>
+    </p:bg>
+    <p:spTree>
+      <p:nvGrpSpPr>
+        <p:cNvPr id="1" name="Shape 102"/>
+        <p:cNvGrpSpPr/>
+        <p:nvPr/>
+      </p:nvGrpSpPr>
+      <p:grpSpPr>
+        <a:xfrm>
+          <a:off x="0" y="0"/>
+          <a:ext cx="0" cy="0"/>
+          <a:chOff x="0" y="0"/>
+          <a:chExt cx="0" cy="0"/>
+        </a:xfrm>
+      </p:grpSpPr>
+      <p:sp>
+        <p:nvSpPr>
+          <p:cNvPr id="103" name="Google Shape;103;p16"/>
+          <p:cNvSpPr txBox="1">
+            <a:spLocks noGrp="1"/>
+          </p:cNvSpPr>
+          <p:nvPr>
+            <p:ph type="title"/>
+          </p:nvPr>
+        </p:nvSpPr>
+        <p:spPr>
+          <a:xfrm>
+            <a:off x="0" y="3650"/>
+            <a:ext cx="9144000" cy="384640"/>
+          </a:xfrm>
+          <a:prstGeom prst="rect">
+            <a:avLst/>
+          </a:prstGeom>
+        </p:spPr>
+        <p:txBody>
+          <a:bodyPr spcFirstLastPara="1" wrap="square" lIns="91425" tIns="91425" rIns="91425" bIns="91425" anchor="t" anchorCtr="0">
+            <a:noAutofit/>
+          </a:bodyPr>
+          <a:lstStyle/>
+          <a:p>
+            <a:pPr algn="ctr"/>
+            <a:r>
+              <a:rPr lang="en-US" sz="2200" b="1" dirty="0" smtClean="0"/>
+              <a:t>NUMPY [NUMERICAL PYTHON]</a:t>
+            </a:r>
+            <a:endParaRPr lang="en-US" sz="2200" b="1" dirty="0"/>
+          </a:p>
+        </p:txBody>
+      </p:sp>
+      <p:sp>
+        <p:nvSpPr>
+          <p:cNvPr id="3" name="Rectangle 2"/>
+          <p:cNvSpPr/>
+          <p:nvPr/>
+        </p:nvSpPr>
+        <p:spPr>
+          <a:xfrm>
+            <a:off x="224073" y="305163"/>
+            <a:ext cx="8089641" cy="4662815"/>
+          </a:xfrm>
+          <a:prstGeom prst="rect">
+            <a:avLst/>
+          </a:prstGeom>
+        </p:spPr>
+        <p:txBody>
+          <a:bodyPr wrap="square">
+            <a:spAutoFit/>
+          </a:bodyPr>
+          <a:lstStyle/>
+          <a:p>
+            <a:pPr fontAlgn="base"/>
+            <a:r>
+              <a:rPr lang="en-US" sz="1100" b="1" dirty="0"/>
+              <a:t>Resizing an </a:t>
+            </a:r>
+            <a:r>
+              <a:rPr lang="en-US" sz="1100" b="1" dirty="0" smtClean="0"/>
+              <a:t>Array</a:t>
+            </a:r>
+          </a:p>
+          <a:p>
+            <a:pPr fontAlgn="base"/>
+            <a:r>
+              <a:rPr lang="en-US" sz="1100" dirty="0" err="1"/>
+              <a:t>Numpy</a:t>
+            </a:r>
+            <a:r>
+              <a:rPr lang="en-US" sz="1100" dirty="0"/>
+              <a:t> arrays can be resized using the resize() function. It returns nothing but changes the original array</a:t>
+            </a:r>
+            <a:r>
+              <a:rPr lang="en-US" sz="1100" dirty="0" smtClean="0"/>
+              <a:t>.</a:t>
+            </a:r>
+          </a:p>
+          <a:p>
+            <a:pPr lvl="0" eaLnBrk="0" fontAlgn="base" hangingPunct="0">
+              <a:spcBef>
+                <a:spcPct val="0"/>
+              </a:spcBef>
+              <a:spcAft>
+                <a:spcPct val="0"/>
+              </a:spcAft>
+              <a:buClrTx/>
+            </a:pPr>
+            <a:r>
+              <a:rPr lang="en-US" altLang="en-US" sz="1100" dirty="0">
+                <a:solidFill>
+                  <a:srgbClr val="008200"/>
+                </a:solidFill>
+                <a:latin typeface="Consolas" panose="020B0609020204030204" pitchFamily="49" charset="0"/>
+              </a:rPr>
+              <a:t># Making a random array </a:t>
+            </a:r>
+            <a:endParaRPr lang="en-US" altLang="en-US" sz="1100" dirty="0">
+              <a:solidFill>
+                <a:schemeClr val="tx1"/>
+              </a:solidFill>
+            </a:endParaRPr>
+          </a:p>
+          <a:p>
+            <a:pPr lvl="0" eaLnBrk="0" fontAlgn="base" hangingPunct="0">
+              <a:spcBef>
+                <a:spcPct val="0"/>
+              </a:spcBef>
+              <a:spcAft>
+                <a:spcPct val="0"/>
+              </a:spcAft>
+              <a:buClrTx/>
+            </a:pPr>
+            <a:r>
+              <a:rPr lang="en-US" altLang="en-US" sz="1100" dirty="0" err="1">
+                <a:latin typeface="Consolas" panose="020B0609020204030204" pitchFamily="49" charset="0"/>
+              </a:rPr>
+              <a:t>arr</a:t>
+            </a:r>
+            <a:r>
+              <a:rPr lang="en-US" altLang="en-US" sz="1100" dirty="0">
+                <a:latin typeface="Consolas" panose="020B0609020204030204" pitchFamily="49" charset="0"/>
+              </a:rPr>
+              <a:t> </a:t>
+            </a:r>
+            <a:r>
+              <a:rPr lang="en-US" altLang="en-US" sz="1100" b="1" dirty="0">
+                <a:solidFill>
+                  <a:srgbClr val="006699"/>
+                </a:solidFill>
+                <a:latin typeface="Consolas" panose="020B0609020204030204" pitchFamily="49" charset="0"/>
+              </a:rPr>
+              <a:t>=</a:t>
+            </a:r>
+            <a:r>
+              <a:rPr lang="en-US" altLang="en-US" sz="1100" dirty="0">
+                <a:solidFill>
+                  <a:srgbClr val="273239"/>
+                </a:solidFill>
+                <a:latin typeface="Consolas" panose="020B0609020204030204" pitchFamily="49" charset="0"/>
+              </a:rPr>
+              <a:t> </a:t>
+            </a:r>
+            <a:r>
+              <a:rPr lang="en-US" altLang="en-US" sz="1100" dirty="0" err="1">
+                <a:latin typeface="Consolas" panose="020B0609020204030204" pitchFamily="49" charset="0"/>
+              </a:rPr>
+              <a:t>np.array</a:t>
+            </a:r>
+            <a:r>
+              <a:rPr lang="en-US" altLang="en-US" sz="1100" dirty="0">
+                <a:latin typeface="Consolas" panose="020B0609020204030204" pitchFamily="49" charset="0"/>
+              </a:rPr>
+              <a:t>([</a:t>
+            </a:r>
+            <a:r>
+              <a:rPr lang="en-US" altLang="en-US" sz="1100" dirty="0">
+                <a:solidFill>
+                  <a:srgbClr val="009900"/>
+                </a:solidFill>
+                <a:latin typeface="Consolas" panose="020B0609020204030204" pitchFamily="49" charset="0"/>
+              </a:rPr>
+              <a:t>1</a:t>
+            </a:r>
+            <a:r>
+              <a:rPr lang="en-US" altLang="en-US" sz="1100" dirty="0">
+                <a:latin typeface="Consolas" panose="020B0609020204030204" pitchFamily="49" charset="0"/>
+              </a:rPr>
+              <a:t>, </a:t>
+            </a:r>
+            <a:r>
+              <a:rPr lang="en-US" altLang="en-US" sz="1100" dirty="0">
+                <a:solidFill>
+                  <a:srgbClr val="009900"/>
+                </a:solidFill>
+                <a:latin typeface="Consolas" panose="020B0609020204030204" pitchFamily="49" charset="0"/>
+              </a:rPr>
+              <a:t>2</a:t>
+            </a:r>
+            <a:r>
+              <a:rPr lang="en-US" altLang="en-US" sz="1100" dirty="0">
+                <a:latin typeface="Consolas" panose="020B0609020204030204" pitchFamily="49" charset="0"/>
+              </a:rPr>
+              <a:t>, </a:t>
+            </a:r>
+            <a:r>
+              <a:rPr lang="en-US" altLang="en-US" sz="1100" dirty="0">
+                <a:solidFill>
+                  <a:srgbClr val="009900"/>
+                </a:solidFill>
+                <a:latin typeface="Consolas" panose="020B0609020204030204" pitchFamily="49" charset="0"/>
+              </a:rPr>
+              <a:t>3</a:t>
+            </a:r>
+            <a:r>
+              <a:rPr lang="en-US" altLang="en-US" sz="1100" dirty="0">
+                <a:latin typeface="Consolas" panose="020B0609020204030204" pitchFamily="49" charset="0"/>
+              </a:rPr>
+              <a:t>, </a:t>
+            </a:r>
+            <a:r>
+              <a:rPr lang="en-US" altLang="en-US" sz="1100" dirty="0">
+                <a:solidFill>
+                  <a:srgbClr val="009900"/>
+                </a:solidFill>
+                <a:latin typeface="Consolas" panose="020B0609020204030204" pitchFamily="49" charset="0"/>
+              </a:rPr>
+              <a:t>4</a:t>
+            </a:r>
+            <a:r>
+              <a:rPr lang="en-US" altLang="en-US" sz="1100" dirty="0">
+                <a:latin typeface="Consolas" panose="020B0609020204030204" pitchFamily="49" charset="0"/>
+              </a:rPr>
+              <a:t>, </a:t>
+            </a:r>
+            <a:r>
+              <a:rPr lang="en-US" altLang="en-US" sz="1100" dirty="0">
+                <a:solidFill>
+                  <a:srgbClr val="009900"/>
+                </a:solidFill>
+                <a:latin typeface="Consolas" panose="020B0609020204030204" pitchFamily="49" charset="0"/>
+              </a:rPr>
+              <a:t>5</a:t>
+            </a:r>
+            <a:r>
+              <a:rPr lang="en-US" altLang="en-US" sz="1100" dirty="0">
+                <a:latin typeface="Consolas" panose="020B0609020204030204" pitchFamily="49" charset="0"/>
+              </a:rPr>
+              <a:t>, </a:t>
+            </a:r>
+            <a:r>
+              <a:rPr lang="en-US" altLang="en-US" sz="1100" dirty="0">
+                <a:solidFill>
+                  <a:srgbClr val="009900"/>
+                </a:solidFill>
+                <a:latin typeface="Consolas" panose="020B0609020204030204" pitchFamily="49" charset="0"/>
+              </a:rPr>
+              <a:t>6</a:t>
+            </a:r>
+            <a:r>
+              <a:rPr lang="en-US" altLang="en-US" sz="1100" dirty="0">
+                <a:latin typeface="Consolas" panose="020B0609020204030204" pitchFamily="49" charset="0"/>
+              </a:rPr>
+              <a:t>]) </a:t>
+            </a:r>
+            <a:endParaRPr lang="en-US" altLang="en-US" sz="1100" dirty="0">
+              <a:solidFill>
+                <a:schemeClr val="tx1"/>
+              </a:solidFill>
+            </a:endParaRPr>
+          </a:p>
+          <a:p>
+            <a:pPr lvl="0" eaLnBrk="0" fontAlgn="base" hangingPunct="0">
+              <a:spcBef>
+                <a:spcPct val="0"/>
+              </a:spcBef>
+              <a:spcAft>
+                <a:spcPct val="0"/>
+              </a:spcAft>
+              <a:buClrTx/>
+            </a:pPr>
+            <a:r>
+              <a:rPr lang="en-US" altLang="en-US" sz="1100" dirty="0">
+                <a:solidFill>
+                  <a:srgbClr val="008200"/>
+                </a:solidFill>
+                <a:latin typeface="Consolas" panose="020B0609020204030204" pitchFamily="49" charset="0"/>
+              </a:rPr>
+              <a:t># Required values 12, existing values 6 </a:t>
+            </a:r>
+            <a:endParaRPr lang="en-US" altLang="en-US" sz="1100" dirty="0">
+              <a:solidFill>
+                <a:schemeClr val="tx1"/>
+              </a:solidFill>
+            </a:endParaRPr>
+          </a:p>
+          <a:p>
+            <a:pPr lvl="0" eaLnBrk="0" fontAlgn="base" hangingPunct="0">
+              <a:spcBef>
+                <a:spcPct val="0"/>
+              </a:spcBef>
+              <a:spcAft>
+                <a:spcPct val="0"/>
+              </a:spcAft>
+              <a:buClrTx/>
+            </a:pPr>
+            <a:r>
+              <a:rPr lang="en-US" altLang="en-US" sz="1100" dirty="0" err="1">
+                <a:latin typeface="Consolas" panose="020B0609020204030204" pitchFamily="49" charset="0"/>
+              </a:rPr>
+              <a:t>arr.resize</a:t>
+            </a:r>
+            <a:r>
+              <a:rPr lang="en-US" altLang="en-US" sz="1100" dirty="0">
+                <a:latin typeface="Consolas" panose="020B0609020204030204" pitchFamily="49" charset="0"/>
+              </a:rPr>
+              <a:t>(</a:t>
+            </a:r>
+            <a:r>
+              <a:rPr lang="en-US" altLang="en-US" sz="1100" dirty="0">
+                <a:solidFill>
+                  <a:srgbClr val="009900"/>
+                </a:solidFill>
+                <a:latin typeface="Consolas" panose="020B0609020204030204" pitchFamily="49" charset="0"/>
+              </a:rPr>
+              <a:t>3</a:t>
+            </a:r>
+            <a:r>
+              <a:rPr lang="en-US" altLang="en-US" sz="1100" dirty="0">
+                <a:latin typeface="Consolas" panose="020B0609020204030204" pitchFamily="49" charset="0"/>
+              </a:rPr>
+              <a:t>, </a:t>
+            </a:r>
+            <a:r>
+              <a:rPr lang="en-US" altLang="en-US" sz="1100" dirty="0">
+                <a:solidFill>
+                  <a:srgbClr val="009900"/>
+                </a:solidFill>
+                <a:latin typeface="Consolas" panose="020B0609020204030204" pitchFamily="49" charset="0"/>
+              </a:rPr>
+              <a:t>4</a:t>
+            </a:r>
+            <a:r>
+              <a:rPr lang="en-US" altLang="en-US" sz="1100" dirty="0">
+                <a:latin typeface="Consolas" panose="020B0609020204030204" pitchFamily="49" charset="0"/>
+              </a:rPr>
+              <a:t>) </a:t>
+            </a:r>
+            <a:endParaRPr lang="en-US" altLang="en-US" sz="1100" dirty="0">
+              <a:solidFill>
+                <a:schemeClr val="tx1"/>
+              </a:solidFill>
+            </a:endParaRPr>
+          </a:p>
+          <a:p>
+            <a:pPr lvl="0" eaLnBrk="0" fontAlgn="base" hangingPunct="0">
+              <a:spcBef>
+                <a:spcPct val="0"/>
+              </a:spcBef>
+              <a:spcAft>
+                <a:spcPct val="0"/>
+              </a:spcAft>
+              <a:buClrTx/>
+            </a:pPr>
+            <a:r>
+              <a:rPr lang="en-US" altLang="en-US" sz="1100" dirty="0">
+                <a:solidFill>
+                  <a:srgbClr val="FF1493"/>
+                </a:solidFill>
+                <a:latin typeface="Consolas" panose="020B0609020204030204" pitchFamily="49" charset="0"/>
+              </a:rPr>
+              <a:t>print</a:t>
+            </a:r>
+            <a:r>
+              <a:rPr lang="en-US" altLang="en-US" sz="1100" dirty="0">
+                <a:latin typeface="Consolas" panose="020B0609020204030204" pitchFamily="49" charset="0"/>
+              </a:rPr>
+              <a:t>(</a:t>
+            </a:r>
+            <a:r>
+              <a:rPr lang="en-US" altLang="en-US" sz="1100" dirty="0" err="1">
+                <a:latin typeface="Consolas" panose="020B0609020204030204" pitchFamily="49" charset="0"/>
+              </a:rPr>
+              <a:t>arr</a:t>
+            </a:r>
+            <a:r>
+              <a:rPr lang="en-US" altLang="en-US" sz="1100" dirty="0">
+                <a:latin typeface="Consolas" panose="020B0609020204030204" pitchFamily="49" charset="0"/>
+              </a:rPr>
+              <a:t>)</a:t>
+            </a:r>
+            <a:endParaRPr lang="en-US" altLang="en-US" sz="1100" dirty="0">
+              <a:solidFill>
+                <a:schemeClr val="tx1"/>
+              </a:solidFill>
+              <a:latin typeface="Arial" panose="020B0604020202020204" pitchFamily="34" charset="0"/>
+            </a:endParaRPr>
+          </a:p>
+          <a:p>
+            <a:pPr fontAlgn="base"/>
+            <a:endParaRPr lang="en-US" sz="1100" b="1" dirty="0" smtClean="0"/>
+          </a:p>
+          <a:p>
+            <a:pPr fontAlgn="base"/>
+            <a:r>
+              <a:rPr lang="en-US" sz="1100" b="1" dirty="0"/>
+              <a:t>Flatten a Two Dimensional array</a:t>
+            </a:r>
+          </a:p>
+          <a:p>
+            <a:pPr fontAlgn="base"/>
+            <a:r>
+              <a:rPr lang="en-US" sz="1100" dirty="0"/>
+              <a:t>The flatten() function of </a:t>
+            </a:r>
+            <a:r>
+              <a:rPr lang="en-US" sz="1100" dirty="0" err="1"/>
+              <a:t>Numpy</a:t>
+            </a:r>
+            <a:r>
+              <a:rPr lang="en-US" sz="1100" dirty="0"/>
+              <a:t> module is used to convert a 2-dimensional array to a 1-dimensional array. It returns a copy of the original array</a:t>
+            </a:r>
+            <a:r>
+              <a:rPr lang="en-US" sz="1100" dirty="0" smtClean="0"/>
+              <a:t>.</a:t>
+            </a:r>
+          </a:p>
+          <a:p>
+            <a:pPr lvl="0" eaLnBrk="0" fontAlgn="base" hangingPunct="0">
+              <a:spcBef>
+                <a:spcPct val="0"/>
+              </a:spcBef>
+              <a:spcAft>
+                <a:spcPct val="0"/>
+              </a:spcAft>
+              <a:buClrTx/>
+            </a:pPr>
+            <a:r>
+              <a:rPr lang="en-US" altLang="en-US" sz="1100" dirty="0">
+                <a:latin typeface="Consolas" panose="020B0609020204030204" pitchFamily="49" charset="0"/>
+              </a:rPr>
+              <a:t>list_1 </a:t>
+            </a:r>
+            <a:r>
+              <a:rPr lang="en-US" altLang="en-US" sz="1100" b="1" dirty="0">
+                <a:solidFill>
+                  <a:srgbClr val="006699"/>
+                </a:solidFill>
+                <a:latin typeface="Consolas" panose="020B0609020204030204" pitchFamily="49" charset="0"/>
+              </a:rPr>
+              <a:t>=</a:t>
+            </a:r>
+            <a:r>
+              <a:rPr lang="en-US" altLang="en-US" sz="1100" dirty="0">
+                <a:solidFill>
+                  <a:srgbClr val="273239"/>
+                </a:solidFill>
+                <a:latin typeface="Consolas" panose="020B0609020204030204" pitchFamily="49" charset="0"/>
+              </a:rPr>
+              <a:t> </a:t>
+            </a:r>
+            <a:r>
+              <a:rPr lang="en-US" altLang="en-US" sz="1100" dirty="0">
+                <a:latin typeface="Consolas" panose="020B0609020204030204" pitchFamily="49" charset="0"/>
+              </a:rPr>
+              <a:t>[</a:t>
+            </a:r>
+            <a:r>
+              <a:rPr lang="en-US" altLang="en-US" sz="1100" dirty="0">
+                <a:solidFill>
+                  <a:srgbClr val="009900"/>
+                </a:solidFill>
+                <a:latin typeface="Consolas" panose="020B0609020204030204" pitchFamily="49" charset="0"/>
+              </a:rPr>
+              <a:t>1</a:t>
+            </a:r>
+            <a:r>
+              <a:rPr lang="en-US" altLang="en-US" sz="1100" dirty="0">
+                <a:latin typeface="Consolas" panose="020B0609020204030204" pitchFamily="49" charset="0"/>
+              </a:rPr>
+              <a:t>, </a:t>
+            </a:r>
+            <a:r>
+              <a:rPr lang="en-US" altLang="en-US" sz="1100" dirty="0">
+                <a:solidFill>
+                  <a:srgbClr val="009900"/>
+                </a:solidFill>
+                <a:latin typeface="Consolas" panose="020B0609020204030204" pitchFamily="49" charset="0"/>
+              </a:rPr>
+              <a:t>2</a:t>
+            </a:r>
+            <a:r>
+              <a:rPr lang="en-US" altLang="en-US" sz="1100" dirty="0">
+                <a:latin typeface="Consolas" panose="020B0609020204030204" pitchFamily="49" charset="0"/>
+              </a:rPr>
+              <a:t>, </a:t>
+            </a:r>
+            <a:r>
+              <a:rPr lang="en-US" altLang="en-US" sz="1100" dirty="0">
+                <a:solidFill>
+                  <a:srgbClr val="009900"/>
+                </a:solidFill>
+                <a:latin typeface="Consolas" panose="020B0609020204030204" pitchFamily="49" charset="0"/>
+              </a:rPr>
+              <a:t>3</a:t>
+            </a:r>
+            <a:r>
+              <a:rPr lang="en-US" altLang="en-US" sz="1100" dirty="0">
+                <a:latin typeface="Consolas" panose="020B0609020204030204" pitchFamily="49" charset="0"/>
+              </a:rPr>
+              <a:t>, </a:t>
+            </a:r>
+            <a:r>
+              <a:rPr lang="en-US" altLang="en-US" sz="1100" dirty="0">
+                <a:solidFill>
+                  <a:srgbClr val="009900"/>
+                </a:solidFill>
+                <a:latin typeface="Consolas" panose="020B0609020204030204" pitchFamily="49" charset="0"/>
+              </a:rPr>
+              <a:t>4</a:t>
+            </a:r>
+            <a:r>
+              <a:rPr lang="en-US" altLang="en-US" sz="1100" dirty="0">
+                <a:latin typeface="Consolas" panose="020B0609020204030204" pitchFamily="49" charset="0"/>
+              </a:rPr>
+              <a:t>] </a:t>
+            </a:r>
+            <a:endParaRPr lang="en-US" altLang="en-US" sz="1100" dirty="0">
+              <a:solidFill>
+                <a:schemeClr val="tx1"/>
+              </a:solidFill>
+            </a:endParaRPr>
+          </a:p>
+          <a:p>
+            <a:pPr lvl="0" eaLnBrk="0" fontAlgn="base" hangingPunct="0">
+              <a:spcBef>
+                <a:spcPct val="0"/>
+              </a:spcBef>
+              <a:spcAft>
+                <a:spcPct val="0"/>
+              </a:spcAft>
+              <a:buClrTx/>
+            </a:pPr>
+            <a:r>
+              <a:rPr lang="en-US" altLang="en-US" sz="1100" dirty="0">
+                <a:latin typeface="Consolas" panose="020B0609020204030204" pitchFamily="49" charset="0"/>
+              </a:rPr>
+              <a:t>list_2 </a:t>
+            </a:r>
+            <a:r>
+              <a:rPr lang="en-US" altLang="en-US" sz="1100" b="1" dirty="0">
+                <a:solidFill>
+                  <a:srgbClr val="006699"/>
+                </a:solidFill>
+                <a:latin typeface="Consolas" panose="020B0609020204030204" pitchFamily="49" charset="0"/>
+              </a:rPr>
+              <a:t>=</a:t>
+            </a:r>
+            <a:r>
+              <a:rPr lang="en-US" altLang="en-US" sz="1100" dirty="0">
+                <a:solidFill>
+                  <a:srgbClr val="273239"/>
+                </a:solidFill>
+                <a:latin typeface="Consolas" panose="020B0609020204030204" pitchFamily="49" charset="0"/>
+              </a:rPr>
+              <a:t> </a:t>
+            </a:r>
+            <a:r>
+              <a:rPr lang="en-US" altLang="en-US" sz="1100" dirty="0">
+                <a:latin typeface="Consolas" panose="020B0609020204030204" pitchFamily="49" charset="0"/>
+              </a:rPr>
+              <a:t>[</a:t>
+            </a:r>
+            <a:r>
+              <a:rPr lang="en-US" altLang="en-US" sz="1100" dirty="0">
+                <a:solidFill>
+                  <a:srgbClr val="009900"/>
+                </a:solidFill>
+                <a:latin typeface="Consolas" panose="020B0609020204030204" pitchFamily="49" charset="0"/>
+              </a:rPr>
+              <a:t>5</a:t>
+            </a:r>
+            <a:r>
+              <a:rPr lang="en-US" altLang="en-US" sz="1100" dirty="0">
+                <a:latin typeface="Consolas" panose="020B0609020204030204" pitchFamily="49" charset="0"/>
+              </a:rPr>
+              <a:t>, </a:t>
+            </a:r>
+            <a:r>
+              <a:rPr lang="en-US" altLang="en-US" sz="1100" dirty="0">
+                <a:solidFill>
+                  <a:srgbClr val="009900"/>
+                </a:solidFill>
+                <a:latin typeface="Consolas" panose="020B0609020204030204" pitchFamily="49" charset="0"/>
+              </a:rPr>
+              <a:t>6</a:t>
+            </a:r>
+            <a:r>
+              <a:rPr lang="en-US" altLang="en-US" sz="1100" dirty="0">
+                <a:latin typeface="Consolas" panose="020B0609020204030204" pitchFamily="49" charset="0"/>
+              </a:rPr>
+              <a:t>, </a:t>
+            </a:r>
+            <a:r>
+              <a:rPr lang="en-US" altLang="en-US" sz="1100" dirty="0">
+                <a:solidFill>
+                  <a:srgbClr val="009900"/>
+                </a:solidFill>
+                <a:latin typeface="Consolas" panose="020B0609020204030204" pitchFamily="49" charset="0"/>
+              </a:rPr>
+              <a:t>7</a:t>
+            </a:r>
+            <a:r>
+              <a:rPr lang="en-US" altLang="en-US" sz="1100" dirty="0">
+                <a:latin typeface="Consolas" panose="020B0609020204030204" pitchFamily="49" charset="0"/>
+              </a:rPr>
+              <a:t>, </a:t>
+            </a:r>
+            <a:r>
+              <a:rPr lang="en-US" altLang="en-US" sz="1100" dirty="0">
+                <a:solidFill>
+                  <a:srgbClr val="009900"/>
+                </a:solidFill>
+                <a:latin typeface="Consolas" panose="020B0609020204030204" pitchFamily="49" charset="0"/>
+              </a:rPr>
+              <a:t>8</a:t>
+            </a:r>
+            <a:r>
+              <a:rPr lang="en-US" altLang="en-US" sz="1100" dirty="0">
+                <a:latin typeface="Consolas" panose="020B0609020204030204" pitchFamily="49" charset="0"/>
+              </a:rPr>
+              <a:t>] </a:t>
+            </a:r>
+            <a:endParaRPr lang="en-US" altLang="en-US" sz="1100" dirty="0">
+              <a:solidFill>
+                <a:schemeClr val="tx1"/>
+              </a:solidFill>
+            </a:endParaRPr>
+          </a:p>
+          <a:p>
+            <a:pPr lvl="0" eaLnBrk="0" fontAlgn="base" hangingPunct="0">
+              <a:spcBef>
+                <a:spcPct val="0"/>
+              </a:spcBef>
+              <a:spcAft>
+                <a:spcPct val="0"/>
+              </a:spcAft>
+              <a:buClrTx/>
+            </a:pPr>
+            <a:r>
+              <a:rPr lang="en-US" altLang="en-US" sz="1100" dirty="0" err="1">
+                <a:latin typeface="Consolas" panose="020B0609020204030204" pitchFamily="49" charset="0"/>
+              </a:rPr>
+              <a:t>arr</a:t>
+            </a:r>
+            <a:r>
+              <a:rPr lang="en-US" altLang="en-US" sz="1100" dirty="0">
+                <a:latin typeface="Consolas" panose="020B0609020204030204" pitchFamily="49" charset="0"/>
+              </a:rPr>
+              <a:t> </a:t>
+            </a:r>
+            <a:r>
+              <a:rPr lang="en-US" altLang="en-US" sz="1100" b="1" dirty="0">
+                <a:solidFill>
+                  <a:srgbClr val="006699"/>
+                </a:solidFill>
+                <a:latin typeface="Consolas" panose="020B0609020204030204" pitchFamily="49" charset="0"/>
+              </a:rPr>
+              <a:t>=</a:t>
+            </a:r>
+            <a:r>
+              <a:rPr lang="en-US" altLang="en-US" sz="1100" dirty="0">
+                <a:solidFill>
+                  <a:srgbClr val="273239"/>
+                </a:solidFill>
+                <a:latin typeface="Consolas" panose="020B0609020204030204" pitchFamily="49" charset="0"/>
+              </a:rPr>
+              <a:t> </a:t>
+            </a:r>
+            <a:r>
+              <a:rPr lang="en-US" altLang="en-US" sz="1100" dirty="0" err="1">
+                <a:latin typeface="Consolas" panose="020B0609020204030204" pitchFamily="49" charset="0"/>
+              </a:rPr>
+              <a:t>np.array</a:t>
+            </a:r>
+            <a:r>
+              <a:rPr lang="en-US" altLang="en-US" sz="1100" dirty="0">
+                <a:latin typeface="Consolas" panose="020B0609020204030204" pitchFamily="49" charset="0"/>
+              </a:rPr>
+              <a:t>([list_1, list_2])  </a:t>
+            </a:r>
+            <a:endParaRPr lang="en-US" altLang="en-US" sz="1100" dirty="0">
+              <a:solidFill>
+                <a:schemeClr val="tx1"/>
+              </a:solidFill>
+            </a:endParaRPr>
+          </a:p>
+          <a:p>
+            <a:pPr lvl="0" eaLnBrk="0" fontAlgn="base" hangingPunct="0">
+              <a:spcBef>
+                <a:spcPct val="0"/>
+              </a:spcBef>
+              <a:spcAft>
+                <a:spcPct val="0"/>
+              </a:spcAft>
+              <a:buClrTx/>
+            </a:pPr>
+            <a:r>
+              <a:rPr lang="en-US" altLang="en-US" sz="1100" dirty="0">
+                <a:solidFill>
+                  <a:srgbClr val="273239"/>
+                </a:solidFill>
+                <a:latin typeface="Consolas" panose="020B0609020204030204" pitchFamily="49" charset="0"/>
+              </a:rPr>
+              <a:t>  </a:t>
+            </a:r>
+            <a:endParaRPr lang="en-US" altLang="en-US" sz="1100" dirty="0">
+              <a:solidFill>
+                <a:schemeClr val="tx1"/>
+              </a:solidFill>
+            </a:endParaRPr>
+          </a:p>
+          <a:p>
+            <a:pPr lvl="0" eaLnBrk="0" fontAlgn="base" hangingPunct="0">
+              <a:spcBef>
+                <a:spcPct val="0"/>
+              </a:spcBef>
+              <a:spcAft>
+                <a:spcPct val="0"/>
+              </a:spcAft>
+              <a:buClrTx/>
+            </a:pPr>
+            <a:r>
+              <a:rPr lang="en-US" altLang="en-US" sz="1100" dirty="0">
+                <a:solidFill>
+                  <a:srgbClr val="FF1493"/>
+                </a:solidFill>
+                <a:latin typeface="Consolas" panose="020B0609020204030204" pitchFamily="49" charset="0"/>
+              </a:rPr>
+              <a:t>print</a:t>
+            </a:r>
+            <a:r>
+              <a:rPr lang="en-US" altLang="en-US" sz="1100" dirty="0">
+                <a:latin typeface="Consolas" panose="020B0609020204030204" pitchFamily="49" charset="0"/>
+              </a:rPr>
+              <a:t>(</a:t>
+            </a:r>
+            <a:r>
+              <a:rPr lang="en-US" altLang="en-US" sz="1100" dirty="0" err="1">
+                <a:latin typeface="Consolas" panose="020B0609020204030204" pitchFamily="49" charset="0"/>
+              </a:rPr>
+              <a:t>arr.flatten</a:t>
+            </a:r>
+            <a:r>
+              <a:rPr lang="en-US" altLang="en-US" sz="1100" dirty="0">
+                <a:latin typeface="Consolas" panose="020B0609020204030204" pitchFamily="49" charset="0"/>
+              </a:rPr>
+              <a:t>())</a:t>
+            </a:r>
+            <a:endParaRPr lang="en-US" altLang="en-US" sz="1100" dirty="0">
+              <a:solidFill>
+                <a:schemeClr val="tx1"/>
+              </a:solidFill>
+              <a:latin typeface="Arial" panose="020B0604020202020204" pitchFamily="34" charset="0"/>
+            </a:endParaRPr>
+          </a:p>
+          <a:p>
+            <a:pPr fontAlgn="base"/>
+            <a:endParaRPr lang="en-US" sz="1100" b="1" dirty="0" smtClean="0"/>
+          </a:p>
+          <a:p>
+            <a:pPr fontAlgn="base"/>
+            <a:r>
+              <a:rPr lang="en-US" sz="1100" b="1" dirty="0"/>
+              <a:t>Transpose</a:t>
+            </a:r>
+          </a:p>
+          <a:p>
+            <a:pPr fontAlgn="base"/>
+            <a:r>
+              <a:rPr lang="en-US" sz="1100" dirty="0" err="1"/>
+              <a:t>Numpy</a:t>
+            </a:r>
+            <a:r>
+              <a:rPr lang="en-US" sz="1100" dirty="0"/>
+              <a:t> two-dimensional array can be transposed using the transpose() function.</a:t>
+            </a:r>
+            <a:endParaRPr lang="en-US" sz="1100" b="1" dirty="0"/>
+          </a:p>
+          <a:p>
+            <a:pPr lvl="0" eaLnBrk="0" fontAlgn="base" hangingPunct="0">
+              <a:spcBef>
+                <a:spcPct val="0"/>
+              </a:spcBef>
+              <a:spcAft>
+                <a:spcPct val="0"/>
+              </a:spcAft>
+              <a:buClrTx/>
+            </a:pPr>
+            <a:r>
+              <a:rPr lang="en-US" altLang="en-US" sz="1100" dirty="0">
+                <a:solidFill>
+                  <a:srgbClr val="008200"/>
+                </a:solidFill>
+                <a:latin typeface="Consolas" panose="020B0609020204030204" pitchFamily="49" charset="0"/>
+              </a:rPr>
+              <a:t># making a 3x3 array </a:t>
+            </a:r>
+            <a:endParaRPr lang="en-US" altLang="en-US" sz="1100" dirty="0">
+              <a:solidFill>
+                <a:schemeClr val="tx1"/>
+              </a:solidFill>
+            </a:endParaRPr>
+          </a:p>
+          <a:p>
+            <a:pPr lvl="0" eaLnBrk="0" fontAlgn="base" hangingPunct="0">
+              <a:spcBef>
+                <a:spcPct val="0"/>
+              </a:spcBef>
+              <a:spcAft>
+                <a:spcPct val="0"/>
+              </a:spcAft>
+              <a:buClrTx/>
+            </a:pPr>
+            <a:r>
+              <a:rPr lang="en-US" altLang="en-US" sz="1100" dirty="0" err="1">
+                <a:latin typeface="Consolas" panose="020B0609020204030204" pitchFamily="49" charset="0"/>
+              </a:rPr>
+              <a:t>gfg</a:t>
+            </a:r>
+            <a:r>
+              <a:rPr lang="en-US" altLang="en-US" sz="1100" dirty="0">
+                <a:latin typeface="Consolas" panose="020B0609020204030204" pitchFamily="49" charset="0"/>
+              </a:rPr>
+              <a:t> </a:t>
+            </a:r>
+            <a:r>
+              <a:rPr lang="en-US" altLang="en-US" sz="1100" b="1" dirty="0">
+                <a:solidFill>
+                  <a:srgbClr val="006699"/>
+                </a:solidFill>
+                <a:latin typeface="Consolas" panose="020B0609020204030204" pitchFamily="49" charset="0"/>
+              </a:rPr>
+              <a:t>=</a:t>
+            </a:r>
+            <a:r>
+              <a:rPr lang="en-US" altLang="en-US" sz="1100" dirty="0">
+                <a:solidFill>
+                  <a:srgbClr val="273239"/>
+                </a:solidFill>
+                <a:latin typeface="Consolas" panose="020B0609020204030204" pitchFamily="49" charset="0"/>
+              </a:rPr>
+              <a:t> </a:t>
+            </a:r>
+            <a:r>
+              <a:rPr lang="en-US" altLang="en-US" sz="1100" dirty="0" err="1">
+                <a:latin typeface="Consolas" panose="020B0609020204030204" pitchFamily="49" charset="0"/>
+              </a:rPr>
+              <a:t>np.array</a:t>
+            </a:r>
+            <a:r>
+              <a:rPr lang="en-US" altLang="en-US" sz="1100" dirty="0">
+                <a:latin typeface="Consolas" panose="020B0609020204030204" pitchFamily="49" charset="0"/>
+              </a:rPr>
+              <a:t>([[</a:t>
+            </a:r>
+            <a:r>
+              <a:rPr lang="en-US" altLang="en-US" sz="1100" dirty="0">
+                <a:solidFill>
+                  <a:srgbClr val="009900"/>
+                </a:solidFill>
+                <a:latin typeface="Consolas" panose="020B0609020204030204" pitchFamily="49" charset="0"/>
+              </a:rPr>
+              <a:t>1</a:t>
+            </a:r>
+            <a:r>
+              <a:rPr lang="en-US" altLang="en-US" sz="1100" dirty="0">
+                <a:latin typeface="Consolas" panose="020B0609020204030204" pitchFamily="49" charset="0"/>
+              </a:rPr>
+              <a:t>, </a:t>
+            </a:r>
+            <a:r>
+              <a:rPr lang="en-US" altLang="en-US" sz="1100" dirty="0">
+                <a:solidFill>
+                  <a:srgbClr val="009900"/>
+                </a:solidFill>
+                <a:latin typeface="Consolas" panose="020B0609020204030204" pitchFamily="49" charset="0"/>
+              </a:rPr>
+              <a:t>2</a:t>
+            </a:r>
+            <a:r>
+              <a:rPr lang="en-US" altLang="en-US" sz="1100" dirty="0" smtClean="0">
+                <a:latin typeface="Consolas" panose="020B0609020204030204" pitchFamily="49" charset="0"/>
+              </a:rPr>
+              <a:t>],[</a:t>
+            </a:r>
+            <a:r>
+              <a:rPr lang="en-US" altLang="en-US" sz="1100" dirty="0">
+                <a:solidFill>
+                  <a:srgbClr val="009900"/>
+                </a:solidFill>
+                <a:latin typeface="Consolas" panose="020B0609020204030204" pitchFamily="49" charset="0"/>
+              </a:rPr>
+              <a:t>4</a:t>
+            </a:r>
+            <a:r>
+              <a:rPr lang="en-US" altLang="en-US" sz="1100" dirty="0">
+                <a:latin typeface="Consolas" panose="020B0609020204030204" pitchFamily="49" charset="0"/>
+              </a:rPr>
+              <a:t>, </a:t>
+            </a:r>
+            <a:r>
+              <a:rPr lang="en-US" altLang="en-US" sz="1100" dirty="0">
+                <a:solidFill>
+                  <a:srgbClr val="009900"/>
+                </a:solidFill>
+                <a:latin typeface="Consolas" panose="020B0609020204030204" pitchFamily="49" charset="0"/>
+              </a:rPr>
+              <a:t>5</a:t>
+            </a:r>
+            <a:r>
+              <a:rPr lang="en-US" altLang="en-US" sz="1100" dirty="0" smtClean="0">
+                <a:latin typeface="Consolas" panose="020B0609020204030204" pitchFamily="49" charset="0"/>
+              </a:rPr>
+              <a:t>],[</a:t>
+            </a:r>
+            <a:r>
+              <a:rPr lang="en-US" altLang="en-US" sz="1100" dirty="0">
+                <a:solidFill>
+                  <a:srgbClr val="009900"/>
+                </a:solidFill>
+                <a:latin typeface="Consolas" panose="020B0609020204030204" pitchFamily="49" charset="0"/>
+              </a:rPr>
+              <a:t>7</a:t>
+            </a:r>
+            <a:r>
+              <a:rPr lang="en-US" altLang="en-US" sz="1100" dirty="0">
+                <a:latin typeface="Consolas" panose="020B0609020204030204" pitchFamily="49" charset="0"/>
+              </a:rPr>
+              <a:t>, </a:t>
+            </a:r>
+            <a:r>
+              <a:rPr lang="en-US" altLang="en-US" sz="1100" dirty="0">
+                <a:solidFill>
+                  <a:srgbClr val="009900"/>
+                </a:solidFill>
+                <a:latin typeface="Consolas" panose="020B0609020204030204" pitchFamily="49" charset="0"/>
+              </a:rPr>
+              <a:t>8</a:t>
+            </a:r>
+            <a:r>
+              <a:rPr lang="en-US" altLang="en-US" sz="1100" dirty="0">
+                <a:latin typeface="Consolas" panose="020B0609020204030204" pitchFamily="49" charset="0"/>
+              </a:rPr>
+              <a:t>]]) </a:t>
+            </a:r>
+            <a:endParaRPr lang="en-US" altLang="en-US" sz="1100" dirty="0">
+              <a:solidFill>
+                <a:schemeClr val="tx1"/>
+              </a:solidFill>
+            </a:endParaRPr>
+          </a:p>
+          <a:p>
+            <a:pPr lvl="0" eaLnBrk="0" fontAlgn="base" hangingPunct="0">
+              <a:spcBef>
+                <a:spcPct val="0"/>
+              </a:spcBef>
+              <a:spcAft>
+                <a:spcPct val="0"/>
+              </a:spcAft>
+              <a:buClrTx/>
+            </a:pPr>
+            <a:r>
+              <a:rPr lang="en-US" altLang="en-US" sz="1100" dirty="0">
+                <a:solidFill>
+                  <a:srgbClr val="273239"/>
+                </a:solidFill>
+                <a:latin typeface="Consolas" panose="020B0609020204030204" pitchFamily="49" charset="0"/>
+              </a:rPr>
+              <a:t>  </a:t>
+            </a:r>
+            <a:endParaRPr lang="en-US" altLang="en-US" sz="1100" dirty="0">
+              <a:solidFill>
+                <a:schemeClr val="tx1"/>
+              </a:solidFill>
+            </a:endParaRPr>
+          </a:p>
+          <a:p>
+            <a:pPr lvl="0" eaLnBrk="0" fontAlgn="base" hangingPunct="0">
+              <a:spcBef>
+                <a:spcPct val="0"/>
+              </a:spcBef>
+              <a:spcAft>
+                <a:spcPct val="0"/>
+              </a:spcAft>
+              <a:buClrTx/>
+            </a:pPr>
+            <a:r>
+              <a:rPr lang="en-US" altLang="en-US" sz="1100" dirty="0">
+                <a:solidFill>
+                  <a:srgbClr val="008200"/>
+                </a:solidFill>
+                <a:latin typeface="Consolas" panose="020B0609020204030204" pitchFamily="49" charset="0"/>
+              </a:rPr>
+              <a:t># before transpose </a:t>
+            </a:r>
+            <a:endParaRPr lang="en-US" altLang="en-US" sz="1100" dirty="0">
+              <a:solidFill>
+                <a:schemeClr val="tx1"/>
+              </a:solidFill>
+            </a:endParaRPr>
+          </a:p>
+          <a:p>
+            <a:pPr lvl="0" eaLnBrk="0" fontAlgn="base" hangingPunct="0">
+              <a:spcBef>
+                <a:spcPct val="0"/>
+              </a:spcBef>
+              <a:spcAft>
+                <a:spcPct val="0"/>
+              </a:spcAft>
+              <a:buClrTx/>
+            </a:pPr>
+            <a:r>
+              <a:rPr lang="en-US" altLang="en-US" sz="1100" b="1" dirty="0">
+                <a:solidFill>
+                  <a:srgbClr val="006699"/>
+                </a:solidFill>
+                <a:latin typeface="Consolas" panose="020B0609020204030204" pitchFamily="49" charset="0"/>
+              </a:rPr>
+              <a:t>print</a:t>
+            </a:r>
+            <a:r>
+              <a:rPr lang="en-US" altLang="en-US" sz="1100" dirty="0">
+                <a:latin typeface="Consolas" panose="020B0609020204030204" pitchFamily="49" charset="0"/>
+              </a:rPr>
+              <a:t>(</a:t>
+            </a:r>
+            <a:r>
+              <a:rPr lang="en-US" altLang="en-US" sz="1100" dirty="0" err="1">
+                <a:latin typeface="Consolas" panose="020B0609020204030204" pitchFamily="49" charset="0"/>
+              </a:rPr>
+              <a:t>gfg</a:t>
+            </a:r>
+            <a:r>
+              <a:rPr lang="en-US" altLang="en-US" sz="1100" dirty="0">
+                <a:latin typeface="Consolas" panose="020B0609020204030204" pitchFamily="49" charset="0"/>
+              </a:rPr>
+              <a:t>, end </a:t>
+            </a:r>
+            <a:r>
+              <a:rPr lang="en-US" altLang="en-US" sz="1100" b="1" dirty="0">
+                <a:solidFill>
+                  <a:srgbClr val="006699"/>
+                </a:solidFill>
+                <a:latin typeface="Consolas" panose="020B0609020204030204" pitchFamily="49" charset="0"/>
+              </a:rPr>
+              <a:t>=</a:t>
+            </a:r>
+            <a:r>
+              <a:rPr lang="en-US" altLang="en-US" sz="1100" dirty="0">
+                <a:solidFill>
+                  <a:srgbClr val="0000FF"/>
+                </a:solidFill>
+                <a:latin typeface="Consolas" panose="020B0609020204030204" pitchFamily="49" charset="0"/>
+              </a:rPr>
+              <a:t>'\n\n'</a:t>
+            </a:r>
+            <a:r>
+              <a:rPr lang="en-US" altLang="en-US" sz="1100" dirty="0">
+                <a:latin typeface="Consolas" panose="020B0609020204030204" pitchFamily="49" charset="0"/>
+              </a:rPr>
+              <a:t>) </a:t>
+            </a:r>
+            <a:endParaRPr lang="en-US" altLang="en-US" sz="1100" dirty="0">
+              <a:solidFill>
+                <a:schemeClr val="tx1"/>
+              </a:solidFill>
+            </a:endParaRPr>
+          </a:p>
+          <a:p>
+            <a:pPr lvl="0" eaLnBrk="0" fontAlgn="base" hangingPunct="0">
+              <a:spcBef>
+                <a:spcPct val="0"/>
+              </a:spcBef>
+              <a:spcAft>
+                <a:spcPct val="0"/>
+              </a:spcAft>
+              <a:buClrTx/>
+            </a:pPr>
+            <a:r>
+              <a:rPr lang="en-US" altLang="en-US" sz="1100" dirty="0">
+                <a:solidFill>
+                  <a:srgbClr val="273239"/>
+                </a:solidFill>
+                <a:latin typeface="Consolas" panose="020B0609020204030204" pitchFamily="49" charset="0"/>
+              </a:rPr>
+              <a:t>  </a:t>
+            </a:r>
+            <a:endParaRPr lang="en-US" altLang="en-US" sz="1100" dirty="0">
+              <a:solidFill>
+                <a:schemeClr val="tx1"/>
+              </a:solidFill>
+            </a:endParaRPr>
+          </a:p>
+          <a:p>
+            <a:pPr lvl="0" eaLnBrk="0" fontAlgn="base" hangingPunct="0">
+              <a:spcBef>
+                <a:spcPct val="0"/>
+              </a:spcBef>
+              <a:spcAft>
+                <a:spcPct val="0"/>
+              </a:spcAft>
+              <a:buClrTx/>
+            </a:pPr>
+            <a:r>
+              <a:rPr lang="en-US" altLang="en-US" sz="1100" dirty="0">
+                <a:solidFill>
+                  <a:srgbClr val="008200"/>
+                </a:solidFill>
+                <a:latin typeface="Consolas" panose="020B0609020204030204" pitchFamily="49" charset="0"/>
+              </a:rPr>
+              <a:t># after transpose </a:t>
+            </a:r>
+            <a:endParaRPr lang="en-US" altLang="en-US" sz="1100" dirty="0">
+              <a:solidFill>
+                <a:schemeClr val="tx1"/>
+              </a:solidFill>
+            </a:endParaRPr>
+          </a:p>
+          <a:p>
+            <a:pPr lvl="0" eaLnBrk="0" fontAlgn="base" hangingPunct="0">
+              <a:spcBef>
+                <a:spcPct val="0"/>
+              </a:spcBef>
+              <a:spcAft>
+                <a:spcPct val="0"/>
+              </a:spcAft>
+              <a:buClrTx/>
+            </a:pPr>
+            <a:r>
+              <a:rPr lang="en-US" altLang="en-US" sz="1100" dirty="0">
+                <a:solidFill>
+                  <a:srgbClr val="FF1493"/>
+                </a:solidFill>
+                <a:latin typeface="Consolas" panose="020B0609020204030204" pitchFamily="49" charset="0"/>
+              </a:rPr>
+              <a:t>print</a:t>
+            </a:r>
+            <a:r>
+              <a:rPr lang="en-US" altLang="en-US" sz="1100" dirty="0">
+                <a:latin typeface="Consolas" panose="020B0609020204030204" pitchFamily="49" charset="0"/>
+              </a:rPr>
+              <a:t>(</a:t>
+            </a:r>
+            <a:r>
+              <a:rPr lang="en-US" altLang="en-US" sz="1100" dirty="0" err="1">
+                <a:latin typeface="Consolas" panose="020B0609020204030204" pitchFamily="49" charset="0"/>
+              </a:rPr>
+              <a:t>gfg.transpose</a:t>
+            </a:r>
+            <a:r>
+              <a:rPr lang="en-US" altLang="en-US" sz="1100" dirty="0">
+                <a:latin typeface="Consolas" panose="020B0609020204030204" pitchFamily="49" charset="0"/>
+              </a:rPr>
+              <a:t>(</a:t>
+            </a:r>
+            <a:r>
+              <a:rPr lang="en-US" altLang="en-US" sz="1100" dirty="0">
+                <a:solidFill>
+                  <a:srgbClr val="009900"/>
+                </a:solidFill>
+                <a:latin typeface="Consolas" panose="020B0609020204030204" pitchFamily="49" charset="0"/>
+              </a:rPr>
+              <a:t>1</a:t>
+            </a:r>
+            <a:r>
+              <a:rPr lang="en-US" altLang="en-US" sz="1100" dirty="0">
+                <a:latin typeface="Consolas" panose="020B0609020204030204" pitchFamily="49" charset="0"/>
+              </a:rPr>
+              <a:t>, </a:t>
+            </a:r>
+            <a:r>
+              <a:rPr lang="en-US" altLang="en-US" sz="1100" dirty="0">
+                <a:solidFill>
+                  <a:srgbClr val="009900"/>
+                </a:solidFill>
+                <a:latin typeface="Consolas" panose="020B0609020204030204" pitchFamily="49" charset="0"/>
+              </a:rPr>
+              <a:t>0</a:t>
+            </a:r>
+            <a:r>
+              <a:rPr lang="en-US" altLang="en-US" sz="1100" dirty="0" smtClean="0">
+                <a:latin typeface="Consolas" panose="020B0609020204030204" pitchFamily="49" charset="0"/>
+              </a:rPr>
+              <a:t>))</a:t>
+            </a:r>
+            <a:endParaRPr lang="en-US" b="1" dirty="0"/>
+          </a:p>
+        </p:txBody>
+      </p:sp>
+      <p:sp>
+        <p:nvSpPr>
+          <p:cNvPr id="4" name="Rectangle 3"/>
+          <p:cNvSpPr>
+            <a:spLocks noChangeArrowheads="1"/>
+          </p:cNvSpPr>
+          <p:nvPr/>
+        </p:nvSpPr>
+        <p:spPr bwMode="auto">
+          <a:xfrm>
+            <a:off x="0" y="90100"/>
+            <a:ext cx="65" cy="276999"/>
+          </a:xfrm>
+          <a:prstGeom prst="rect">
+            <a:avLst/>
+          </a:prstGeom>
+          <a:noFill/>
+          <a:ln>
+            <a:noFill/>
+          </a:ln>
+          <a:effectLst/>
+          <a:extLst>
+            <a:ext uri="{909E8E84-426E-40DD-AFC4-6F175D3DCCD1}">
+              <a14:hiddenFill xmlns:a14="http://schemas.microsoft.com/office/drawing/2010/main">
+                <a:solidFill>
+                  <a:schemeClr val="accent1"/>
+                </a:solidFill>
+              </a14:hiddenFill>
+            </a:ext>
+            <a:ext uri="{91240B29-F687-4F45-9708-019B960494DF}">
+              <a14:hiddenLine xmlns:a14="http://schemas.microsoft.com/office/drawing/2010/main" w="9525">
+                <a:solidFill>
+                  <a:schemeClr val="tx1"/>
+                </a:solidFill>
+                <a:miter lim="800000"/>
+                <a:headEnd/>
+                <a:tailEnd/>
+              </a14:hiddenLine>
+            </a:ext>
+            <a:ext uri="{AF507438-7753-43E0-B8FC-AC1667EBCBE1}">
+              <a14:hiddenEffects xmlns:a14="http://schemas.microsoft.com/office/drawing/2010/main">
+                <a:effectLst>
+                  <a:outerShdw dist="35921" dir="2700000" algn="ctr" rotWithShape="0">
+                    <a:schemeClr val="bg2"/>
+                  </a:outerShdw>
+                </a:effectLst>
+              </a14:hiddenEffects>
+            </a:ext>
+          </a:extLst>
+        </p:spPr>
+        <p:txBody>
+          <a:bodyPr vert="horz" wrap="none" lIns="0" tIns="0" rIns="0" bIns="0" numCol="1" anchor="ctr" anchorCtr="0" compatLnSpc="1">
+            <a:prstTxWarp prst="textNoShape">
+              <a:avLst/>
+            </a:prstTxWarp>
+            <a:spAutoFit/>
+          </a:bodyPr>
+          <a:lstStyle>
+            <a:lvl1pPr eaLnBrk="0" fontAlgn="base" hangingPunct="0">
+              <a:spcBef>
+                <a:spcPct val="0"/>
+              </a:spcBef>
+              <a:spcAft>
+                <a:spcPct val="0"/>
+              </a:spcAft>
+              <a:defRPr>
+                <a:solidFill>
+                  <a:schemeClr val="tx1"/>
+                </a:solidFill>
+                <a:latin typeface="Arial" panose="020B0604020202020204" pitchFamily="34" charset="0"/>
+              </a:defRPr>
+            </a:lvl1pPr>
+            <a:lvl2pPr marL="457200" eaLnBrk="0" fontAlgn="base" hangingPunct="0">
+              <a:spcBef>
+                <a:spcPct val="0"/>
+              </a:spcBef>
+              <a:spcAft>
+                <a:spcPct val="0"/>
+              </a:spcAft>
+              <a:defRPr>
+                <a:solidFill>
+                  <a:schemeClr val="tx1"/>
+                </a:solidFill>
+                <a:latin typeface="Arial" panose="020B0604020202020204" pitchFamily="34" charset="0"/>
+              </a:defRPr>
+            </a:lvl2pPr>
+            <a:lvl3pPr marL="914400" eaLnBrk="0" fontAlgn="base" hangingPunct="0">
+              <a:spcBef>
+                <a:spcPct val="0"/>
+              </a:spcBef>
+              <a:spcAft>
+                <a:spcPct val="0"/>
+              </a:spcAft>
+              <a:defRPr>
+                <a:solidFill>
+                  <a:schemeClr val="tx1"/>
+                </a:solidFill>
+                <a:latin typeface="Arial" panose="020B0604020202020204" pitchFamily="34" charset="0"/>
+              </a:defRPr>
+            </a:lvl3pPr>
+            <a:lvl4pPr marL="1371600" eaLnBrk="0" fontAlgn="base" hangingPunct="0">
+              <a:spcBef>
+                <a:spcPct val="0"/>
+              </a:spcBef>
+              <a:spcAft>
+                <a:spcPct val="0"/>
+              </a:spcAft>
+              <a:defRPr>
+                <a:solidFill>
+                  <a:schemeClr val="tx1"/>
+                </a:solidFill>
+                <a:latin typeface="Arial" panose="020B0604020202020204" pitchFamily="34" charset="0"/>
+              </a:defRPr>
+            </a:lvl4pPr>
+            <a:lvl5pPr marL="1828800" eaLnBrk="0" fontAlgn="base" hangingPunct="0">
+              <a:spcBef>
+                <a:spcPct val="0"/>
+              </a:spcBef>
+              <a:spcAft>
+                <a:spcPct val="0"/>
+              </a:spcAft>
+              <a:defRPr>
+                <a:solidFill>
+                  <a:schemeClr val="tx1"/>
+                </a:solidFill>
+                <a:latin typeface="Arial" panose="020B0604020202020204" pitchFamily="34" charset="0"/>
+              </a:defRPr>
+            </a:lvl5pPr>
+            <a:lvl6pPr marL="2286000" eaLnBrk="0" fontAlgn="base" hangingPunct="0">
+              <a:spcBef>
+                <a:spcPct val="0"/>
+              </a:spcBef>
+              <a:spcAft>
+                <a:spcPct val="0"/>
+              </a:spcAft>
+              <a:defRPr>
+                <a:solidFill>
+                  <a:schemeClr val="tx1"/>
+                </a:solidFill>
+                <a:latin typeface="Arial" panose="020B0604020202020204" pitchFamily="34" charset="0"/>
+              </a:defRPr>
+            </a:lvl6pPr>
+            <a:lvl7pPr marL="2743200" eaLnBrk="0" fontAlgn="base" hangingPunct="0">
+              <a:spcBef>
+                <a:spcPct val="0"/>
+              </a:spcBef>
+              <a:spcAft>
+                <a:spcPct val="0"/>
+              </a:spcAft>
+              <a:defRPr>
+                <a:solidFill>
+                  <a:schemeClr val="tx1"/>
+                </a:solidFill>
+                <a:latin typeface="Arial" panose="020B0604020202020204" pitchFamily="34" charset="0"/>
+              </a:defRPr>
+            </a:lvl7pPr>
+            <a:lvl8pPr marL="3200400" eaLnBrk="0" fontAlgn="base" hangingPunct="0">
+              <a:spcBef>
+                <a:spcPct val="0"/>
+              </a:spcBef>
+              <a:spcAft>
+                <a:spcPct val="0"/>
+              </a:spcAft>
+              <a:defRPr>
+                <a:solidFill>
+                  <a:schemeClr val="tx1"/>
+                </a:solidFill>
+                <a:latin typeface="Arial" panose="020B0604020202020204" pitchFamily="34" charset="0"/>
+              </a:defRPr>
+            </a:lvl8pPr>
+            <a:lvl9pPr marL="3657600" eaLnBrk="0" fontAlgn="base" hangingPunct="0">
+              <a:spcBef>
+                <a:spcPct val="0"/>
+              </a:spcBef>
+              <a:spcAft>
+                <a:spcPct val="0"/>
+              </a:spcAft>
+              <a:defRPr>
+                <a:solidFill>
+                  <a:schemeClr val="tx1"/>
+                </a:solidFill>
+                <a:latin typeface="Arial" panose="020B0604020202020204" pitchFamily="34" charset="0"/>
+              </a:defRPr>
+            </a:lvl9pPr>
+          </a:lstStyle>
+          <a:p>
+            <a:pPr marL="0" marR="0" lvl="0" indent="0" algn="l" defTabSz="914400" rtl="0" eaLnBrk="0" fontAlgn="base" latinLnBrk="0" hangingPunct="0">
+              <a:lnSpc>
+                <a:spcPct val="100000"/>
+              </a:lnSpc>
+              <a:spcBef>
+                <a:spcPct val="0"/>
+              </a:spcBef>
+              <a:spcAft>
+                <a:spcPct val="0"/>
+              </a:spcAft>
+              <a:buClrTx/>
+              <a:buSzTx/>
+              <a:buFontTx/>
+              <a:buNone/>
+              <a:tabLst/>
+            </a:pPr>
+            <a:endParaRPr kumimoji="0" lang="en-US" altLang="en-US" sz="1800" b="0" i="0" u="none" strike="noStrike" cap="none" normalizeH="0" baseline="0" dirty="0" smtClean="0">
+              <a:ln>
+                <a:noFill/>
+              </a:ln>
+              <a:solidFill>
+                <a:schemeClr val="tx1"/>
+              </a:solidFill>
+              <a:effectLst/>
+              <a:latin typeface="Arial" panose="020B0604020202020204" pitchFamily="34" charset="0"/>
+            </a:endParaRPr>
+          </a:p>
+        </p:txBody>
+      </p:sp>
+    </p:spTree>
+    <p:extLst>
+      <p:ext uri="{BB962C8B-B14F-4D97-AF65-F5344CB8AC3E}">
+        <p14:creationId xmlns:p14="http://schemas.microsoft.com/office/powerpoint/2010/main" val="4286410685"/>
       </p:ext>
     </p:extLst>
   </p:cSld>
